--- a/files/Mastering_Your_Search_Data-December_2015.pptx
+++ b/files/Mastering_Your_Search_Data-December_2015.pptx
@@ -1,6 +1,6 @@
 
 <file path=ppt/presentation.xml><?xml version="1.0" encoding="utf-8"?>
-<p:presentation xmlns:a="http://schemas.openxmlformats.org/drawingml/2006/main" xmlns:r="http://schemas.openxmlformats.org/officeDocument/2006/relationships" xmlns:mc="http://schemas.openxmlformats.org/markup-compatibility/2006" xmlns:mv="urn:schemas-microsoft-com:mac:vml" xmlns:p="http://schemas.openxmlformats.org/presentationml/2006/main" xmlns:c="http://schemas.openxmlformats.org/drawingml/2006/chart" xmlns:dgm="http://schemas.openxmlformats.org/drawingml/2006/diagram" xmlns:o="urn:schemas-microsoft-com:office:office" xmlns:v="urn:schemas-microsoft-com:vml" xmlns:pvml="urn:schemas-microsoft-com:office:powerpoint" xmlns:com="http://schemas.openxmlformats.org/drawingml/2006/compatibility" xmlns:p14="http://schemas.microsoft.com/office/powerpoint/2010/main" autoCompressPictures="0" strictFirstAndLastChars="0" saveSubsetFonts="1">
+<p:presentation xmlns:a="https://schemas.openxmlformats.org/drawingml/2006/main" xmlns:r="https://schemas.openxmlformats.org/officeDocument/2006/relationships" xmlns:mc="https://schemas.openxmlformats.org/markup-compatibility/2006" xmlns:mv="urn:schemas-microsoft-com:mac:vml" xmlns:p="https://schemas.openxmlformats.org/presentationml/2006/main" xmlns:c="https://schemas.openxmlformats.org/drawingml/2006/chart" xmlns:dgm="https://schemas.openxmlformats.org/drawingml/2006/diagram" xmlns:o="urn:schemas-microsoft-com:office:office" xmlns:v="urn:schemas-microsoft-com:vml" xmlns:pvml="urn:schemas-microsoft-com:office:powerpoint" xmlns:com="https://schemas.openxmlformats.org/drawingml/2006/compatibility" xmlns:p14="https://schemas.microsoft.com/office/powerpoint/2010/main" autoCompressPictures="0" strictFirstAndLastChars="0" saveSubsetFonts="1">
   <p:sldMasterIdLst>
     <p:sldMasterId id="2147483655" r:id="rId3"/>
   </p:sldMasterIdLst>
@@ -256,7 +256,7 @@
 </file>
 
 <file path=ppt/notesMasters/notesMaster1.xml><?xml version="1.0" encoding="utf-8"?>
-<p:notesMaster xmlns:a="http://schemas.openxmlformats.org/drawingml/2006/main" xmlns:r="http://schemas.openxmlformats.org/officeDocument/2006/relationships" xmlns:mc="http://schemas.openxmlformats.org/markup-compatibility/2006" xmlns:mv="urn:schemas-microsoft-com:mac:vml" xmlns:p="http://schemas.openxmlformats.org/presentationml/2006/main" xmlns:c="http://schemas.openxmlformats.org/drawingml/2006/chart" xmlns:dgm="http://schemas.openxmlformats.org/drawingml/2006/diagram" xmlns:o="urn:schemas-microsoft-com:office:office" xmlns:v="urn:schemas-microsoft-com:vml" xmlns:pvml="urn:schemas-microsoft-com:office:powerpoint" xmlns:com="http://schemas.openxmlformats.org/drawingml/2006/compatibility" xmlns:p14="http://schemas.microsoft.com/office/powerpoint/2010/main">
+<p:notesMaster xmlns:a="https://schemas.openxmlformats.org/drawingml/2006/main" xmlns:r="https://schemas.openxmlformats.org/officeDocument/2006/relationships" xmlns:mc="https://schemas.openxmlformats.org/markup-compatibility/2006" xmlns:mv="urn:schemas-microsoft-com:mac:vml" xmlns:p="https://schemas.openxmlformats.org/presentationml/2006/main" xmlns:c="https://schemas.openxmlformats.org/drawingml/2006/chart" xmlns:dgm="https://schemas.openxmlformats.org/drawingml/2006/diagram" xmlns:o="urn:schemas-microsoft-com:office:office" xmlns:v="urn:schemas-microsoft-com:vml" xmlns:pvml="urn:schemas-microsoft-com:office:powerpoint" xmlns:com="https://schemas.openxmlformats.org/drawingml/2006/compatibility" xmlns:p14="https://schemas.microsoft.com/office/powerpoint/2010/main">
   <p:cSld>
     <p:bg>
       <p:bgPr>
@@ -995,7 +995,7 @@
 </file>
 
 <file path=ppt/notesSlides/notesSlide1.xml><?xml version="1.0" encoding="utf-8"?>
-<p:notes xmlns:a="http://schemas.openxmlformats.org/drawingml/2006/main" xmlns:r="http://schemas.openxmlformats.org/officeDocument/2006/relationships" xmlns:mc="http://schemas.openxmlformats.org/markup-compatibility/2006" xmlns:mv="urn:schemas-microsoft-com:mac:vml" xmlns:p="http://schemas.openxmlformats.org/presentationml/2006/main" xmlns:c="http://schemas.openxmlformats.org/drawingml/2006/chart" xmlns:dgm="http://schemas.openxmlformats.org/drawingml/2006/diagram" xmlns:o="urn:schemas-microsoft-com:office:office" xmlns:v="urn:schemas-microsoft-com:vml" xmlns:pvml="urn:schemas-microsoft-com:office:powerpoint" xmlns:com="http://schemas.openxmlformats.org/drawingml/2006/compatibility" xmlns:p14="http://schemas.microsoft.com/office/powerpoint/2010/main" showMasterPhAnim="0" showMasterSp="0">
+<p:notes xmlns:a="https://schemas.openxmlformats.org/drawingml/2006/main" xmlns:r="https://schemas.openxmlformats.org/officeDocument/2006/relationships" xmlns:mc="https://schemas.openxmlformats.org/markup-compatibility/2006" xmlns:mv="urn:schemas-microsoft-com:mac:vml" xmlns:p="https://schemas.openxmlformats.org/presentationml/2006/main" xmlns:c="https://schemas.openxmlformats.org/drawingml/2006/chart" xmlns:dgm="https://schemas.openxmlformats.org/drawingml/2006/diagram" xmlns:o="urn:schemas-microsoft-com:office:office" xmlns:v="urn:schemas-microsoft-com:vml" xmlns:pvml="urn:schemas-microsoft-com:office:powerpoint" xmlns:com="https://schemas.openxmlformats.org/drawingml/2006/compatibility" xmlns:p14="https://schemas.microsoft.com/office/powerpoint/2010/main" showMasterPhAnim="0" showMasterSp="0">
   <p:cSld>
     <p:spTree>
       <p:nvGrpSpPr>
@@ -1100,7 +1100,7 @@
 </file>
 
 <file path=ppt/notesSlides/notesSlide10.xml><?xml version="1.0" encoding="utf-8"?>
-<p:notes xmlns:a="http://schemas.openxmlformats.org/drawingml/2006/main" xmlns:r="http://schemas.openxmlformats.org/officeDocument/2006/relationships" xmlns:mc="http://schemas.openxmlformats.org/markup-compatibility/2006" xmlns:mv="urn:schemas-microsoft-com:mac:vml" xmlns:p="http://schemas.openxmlformats.org/presentationml/2006/main" xmlns:c="http://schemas.openxmlformats.org/drawingml/2006/chart" xmlns:dgm="http://schemas.openxmlformats.org/drawingml/2006/diagram" xmlns:o="urn:schemas-microsoft-com:office:office" xmlns:v="urn:schemas-microsoft-com:vml" xmlns:pvml="urn:schemas-microsoft-com:office:powerpoint" xmlns:com="http://schemas.openxmlformats.org/drawingml/2006/compatibility" xmlns:p14="http://schemas.microsoft.com/office/powerpoint/2010/main" showMasterPhAnim="0" showMasterSp="0">
+<p:notes xmlns:a="https://schemas.openxmlformats.org/drawingml/2006/main" xmlns:r="https://schemas.openxmlformats.org/officeDocument/2006/relationships" xmlns:mc="https://schemas.openxmlformats.org/markup-compatibility/2006" xmlns:mv="urn:schemas-microsoft-com:mac:vml" xmlns:p="https://schemas.openxmlformats.org/presentationml/2006/main" xmlns:c="https://schemas.openxmlformats.org/drawingml/2006/chart" xmlns:dgm="https://schemas.openxmlformats.org/drawingml/2006/diagram" xmlns:o="urn:schemas-microsoft-com:office:office" xmlns:v="urn:schemas-microsoft-com:vml" xmlns:pvml="urn:schemas-microsoft-com:office:powerpoint" xmlns:com="https://schemas.openxmlformats.org/drawingml/2006/compatibility" xmlns:p14="https://schemas.microsoft.com/office/powerpoint/2010/main" showMasterPhAnim="0" showMasterSp="0">
   <p:cSld>
     <p:spTree>
       <p:nvGrpSpPr>
@@ -1241,7 +1241,7 @@
 </file>
 
 <file path=ppt/notesSlides/notesSlide11.xml><?xml version="1.0" encoding="utf-8"?>
-<p:notes xmlns:a="http://schemas.openxmlformats.org/drawingml/2006/main" xmlns:r="http://schemas.openxmlformats.org/officeDocument/2006/relationships" xmlns:mc="http://schemas.openxmlformats.org/markup-compatibility/2006" xmlns:mv="urn:schemas-microsoft-com:mac:vml" xmlns:p="http://schemas.openxmlformats.org/presentationml/2006/main" xmlns:c="http://schemas.openxmlformats.org/drawingml/2006/chart" xmlns:dgm="http://schemas.openxmlformats.org/drawingml/2006/diagram" xmlns:o="urn:schemas-microsoft-com:office:office" xmlns:v="urn:schemas-microsoft-com:vml" xmlns:pvml="urn:schemas-microsoft-com:office:powerpoint" xmlns:com="http://schemas.openxmlformats.org/drawingml/2006/compatibility" xmlns:p14="http://schemas.microsoft.com/office/powerpoint/2010/main" showMasterPhAnim="0" showMasterSp="0">
+<p:notes xmlns:a="https://schemas.openxmlformats.org/drawingml/2006/main" xmlns:r="https://schemas.openxmlformats.org/officeDocument/2006/relationships" xmlns:mc="https://schemas.openxmlformats.org/markup-compatibility/2006" xmlns:mv="urn:schemas-microsoft-com:mac:vml" xmlns:p="https://schemas.openxmlformats.org/presentationml/2006/main" xmlns:c="https://schemas.openxmlformats.org/drawingml/2006/chart" xmlns:dgm="https://schemas.openxmlformats.org/drawingml/2006/diagram" xmlns:o="urn:schemas-microsoft-com:office:office" xmlns:v="urn:schemas-microsoft-com:vml" xmlns:pvml="urn:schemas-microsoft-com:office:powerpoint" xmlns:com="https://schemas.openxmlformats.org/drawingml/2006/compatibility" xmlns:p14="https://schemas.microsoft.com/office/powerpoint/2010/main" showMasterPhAnim="0" showMasterSp="0">
   <p:cSld>
     <p:spTree>
       <p:nvGrpSpPr>
@@ -1387,7 +1387,7 @@
 </file>
 
 <file path=ppt/notesSlides/notesSlide12.xml><?xml version="1.0" encoding="utf-8"?>
-<p:notes xmlns:a="http://schemas.openxmlformats.org/drawingml/2006/main" xmlns:r="http://schemas.openxmlformats.org/officeDocument/2006/relationships" xmlns:mc="http://schemas.openxmlformats.org/markup-compatibility/2006" xmlns:mv="urn:schemas-microsoft-com:mac:vml" xmlns:p="http://schemas.openxmlformats.org/presentationml/2006/main" xmlns:c="http://schemas.openxmlformats.org/drawingml/2006/chart" xmlns:dgm="http://schemas.openxmlformats.org/drawingml/2006/diagram" xmlns:o="urn:schemas-microsoft-com:office:office" xmlns:v="urn:schemas-microsoft-com:vml" xmlns:pvml="urn:schemas-microsoft-com:office:powerpoint" xmlns:com="http://schemas.openxmlformats.org/drawingml/2006/compatibility" xmlns:p14="http://schemas.microsoft.com/office/powerpoint/2010/main" showMasterPhAnim="0" showMasterSp="0">
+<p:notes xmlns:a="https://schemas.openxmlformats.org/drawingml/2006/main" xmlns:r="https://schemas.openxmlformats.org/officeDocument/2006/relationships" xmlns:mc="https://schemas.openxmlformats.org/markup-compatibility/2006" xmlns:mv="urn:schemas-microsoft-com:mac:vml" xmlns:p="https://schemas.openxmlformats.org/presentationml/2006/main" xmlns:c="https://schemas.openxmlformats.org/drawingml/2006/chart" xmlns:dgm="https://schemas.openxmlformats.org/drawingml/2006/diagram" xmlns:o="urn:schemas-microsoft-com:office:office" xmlns:v="urn:schemas-microsoft-com:vml" xmlns:pvml="urn:schemas-microsoft-com:office:powerpoint" xmlns:com="https://schemas.openxmlformats.org/drawingml/2006/compatibility" xmlns:p14="https://schemas.microsoft.com/office/powerpoint/2010/main" showMasterPhAnim="0" showMasterSp="0">
   <p:cSld>
     <p:spTree>
       <p:nvGrpSpPr>
@@ -1533,7 +1533,7 @@
 </file>
 
 <file path=ppt/notesSlides/notesSlide13.xml><?xml version="1.0" encoding="utf-8"?>
-<p:notes xmlns:a="http://schemas.openxmlformats.org/drawingml/2006/main" xmlns:r="http://schemas.openxmlformats.org/officeDocument/2006/relationships" xmlns:mc="http://schemas.openxmlformats.org/markup-compatibility/2006" xmlns:mv="urn:schemas-microsoft-com:mac:vml" xmlns:p="http://schemas.openxmlformats.org/presentationml/2006/main" xmlns:c="http://schemas.openxmlformats.org/drawingml/2006/chart" xmlns:dgm="http://schemas.openxmlformats.org/drawingml/2006/diagram" xmlns:o="urn:schemas-microsoft-com:office:office" xmlns:v="urn:schemas-microsoft-com:vml" xmlns:pvml="urn:schemas-microsoft-com:office:powerpoint" xmlns:com="http://schemas.openxmlformats.org/drawingml/2006/compatibility" xmlns:p14="http://schemas.microsoft.com/office/powerpoint/2010/main" showMasterPhAnim="0" showMasterSp="0">
+<p:notes xmlns:a="https://schemas.openxmlformats.org/drawingml/2006/main" xmlns:r="https://schemas.openxmlformats.org/officeDocument/2006/relationships" xmlns:mc="https://schemas.openxmlformats.org/markup-compatibility/2006" xmlns:mv="urn:schemas-microsoft-com:mac:vml" xmlns:p="https://schemas.openxmlformats.org/presentationml/2006/main" xmlns:c="https://schemas.openxmlformats.org/drawingml/2006/chart" xmlns:dgm="https://schemas.openxmlformats.org/drawingml/2006/diagram" xmlns:o="urn:schemas-microsoft-com:office:office" xmlns:v="urn:schemas-microsoft-com:vml" xmlns:pvml="urn:schemas-microsoft-com:office:powerpoint" xmlns:com="https://schemas.openxmlformats.org/drawingml/2006/compatibility" xmlns:p14="https://schemas.microsoft.com/office/powerpoint/2010/main" showMasterPhAnim="0" showMasterSp="0">
   <p:cSld>
     <p:spTree>
       <p:nvGrpSpPr>
@@ -1679,7 +1679,7 @@
 </file>
 
 <file path=ppt/notesSlides/notesSlide14.xml><?xml version="1.0" encoding="utf-8"?>
-<p:notes xmlns:a="http://schemas.openxmlformats.org/drawingml/2006/main" xmlns:r="http://schemas.openxmlformats.org/officeDocument/2006/relationships" xmlns:mc="http://schemas.openxmlformats.org/markup-compatibility/2006" xmlns:mv="urn:schemas-microsoft-com:mac:vml" xmlns:p="http://schemas.openxmlformats.org/presentationml/2006/main" xmlns:c="http://schemas.openxmlformats.org/drawingml/2006/chart" xmlns:dgm="http://schemas.openxmlformats.org/drawingml/2006/diagram" xmlns:o="urn:schemas-microsoft-com:office:office" xmlns:v="urn:schemas-microsoft-com:vml" xmlns:pvml="urn:schemas-microsoft-com:office:powerpoint" xmlns:com="http://schemas.openxmlformats.org/drawingml/2006/compatibility" xmlns:p14="http://schemas.microsoft.com/office/powerpoint/2010/main" showMasterPhAnim="0" showMasterSp="0">
+<p:notes xmlns:a="https://schemas.openxmlformats.org/drawingml/2006/main" xmlns:r="https://schemas.openxmlformats.org/officeDocument/2006/relationships" xmlns:mc="https://schemas.openxmlformats.org/markup-compatibility/2006" xmlns:mv="urn:schemas-microsoft-com:mac:vml" xmlns:p="https://schemas.openxmlformats.org/presentationml/2006/main" xmlns:c="https://schemas.openxmlformats.org/drawingml/2006/chart" xmlns:dgm="https://schemas.openxmlformats.org/drawingml/2006/diagram" xmlns:o="urn:schemas-microsoft-com:office:office" xmlns:v="urn:schemas-microsoft-com:vml" xmlns:pvml="urn:schemas-microsoft-com:office:powerpoint" xmlns:com="https://schemas.openxmlformats.org/drawingml/2006/compatibility" xmlns:p14="https://schemas.microsoft.com/office/powerpoint/2010/main" showMasterPhAnim="0" showMasterSp="0">
   <p:cSld>
     <p:spTree>
       <p:nvGrpSpPr>
@@ -1825,7 +1825,7 @@
 </file>
 
 <file path=ppt/notesSlides/notesSlide15.xml><?xml version="1.0" encoding="utf-8"?>
-<p:notes xmlns:a="http://schemas.openxmlformats.org/drawingml/2006/main" xmlns:r="http://schemas.openxmlformats.org/officeDocument/2006/relationships" xmlns:mc="http://schemas.openxmlformats.org/markup-compatibility/2006" xmlns:mv="urn:schemas-microsoft-com:mac:vml" xmlns:p="http://schemas.openxmlformats.org/presentationml/2006/main" xmlns:c="http://schemas.openxmlformats.org/drawingml/2006/chart" xmlns:dgm="http://schemas.openxmlformats.org/drawingml/2006/diagram" xmlns:o="urn:schemas-microsoft-com:office:office" xmlns:v="urn:schemas-microsoft-com:vml" xmlns:pvml="urn:schemas-microsoft-com:office:powerpoint" xmlns:com="http://schemas.openxmlformats.org/drawingml/2006/compatibility" xmlns:p14="http://schemas.microsoft.com/office/powerpoint/2010/main" showMasterPhAnim="0" showMasterSp="0">
+<p:notes xmlns:a="https://schemas.openxmlformats.org/drawingml/2006/main" xmlns:r="https://schemas.openxmlformats.org/officeDocument/2006/relationships" xmlns:mc="https://schemas.openxmlformats.org/markup-compatibility/2006" xmlns:mv="urn:schemas-microsoft-com:mac:vml" xmlns:p="https://schemas.openxmlformats.org/presentationml/2006/main" xmlns:c="https://schemas.openxmlformats.org/drawingml/2006/chart" xmlns:dgm="https://schemas.openxmlformats.org/drawingml/2006/diagram" xmlns:o="urn:schemas-microsoft-com:office:office" xmlns:v="urn:schemas-microsoft-com:vml" xmlns:pvml="urn:schemas-microsoft-com:office:powerpoint" xmlns:com="https://schemas.openxmlformats.org/drawingml/2006/compatibility" xmlns:p14="https://schemas.microsoft.com/office/powerpoint/2010/main" showMasterPhAnim="0" showMasterSp="0">
   <p:cSld>
     <p:spTree>
       <p:nvGrpSpPr>
@@ -1966,7 +1966,7 @@
 </file>
 
 <file path=ppt/notesSlides/notesSlide16.xml><?xml version="1.0" encoding="utf-8"?>
-<p:notes xmlns:a="http://schemas.openxmlformats.org/drawingml/2006/main" xmlns:r="http://schemas.openxmlformats.org/officeDocument/2006/relationships" xmlns:mc="http://schemas.openxmlformats.org/markup-compatibility/2006" xmlns:mv="urn:schemas-microsoft-com:mac:vml" xmlns:p="http://schemas.openxmlformats.org/presentationml/2006/main" xmlns:c="http://schemas.openxmlformats.org/drawingml/2006/chart" xmlns:dgm="http://schemas.openxmlformats.org/drawingml/2006/diagram" xmlns:o="urn:schemas-microsoft-com:office:office" xmlns:v="urn:schemas-microsoft-com:vml" xmlns:pvml="urn:schemas-microsoft-com:office:powerpoint" xmlns:com="http://schemas.openxmlformats.org/drawingml/2006/compatibility" xmlns:p14="http://schemas.microsoft.com/office/powerpoint/2010/main" showMasterPhAnim="0" showMasterSp="0">
+<p:notes xmlns:a="https://schemas.openxmlformats.org/drawingml/2006/main" xmlns:r="https://schemas.openxmlformats.org/officeDocument/2006/relationships" xmlns:mc="https://schemas.openxmlformats.org/markup-compatibility/2006" xmlns:mv="urn:schemas-microsoft-com:mac:vml" xmlns:p="https://schemas.openxmlformats.org/presentationml/2006/main" xmlns:c="https://schemas.openxmlformats.org/drawingml/2006/chart" xmlns:dgm="https://schemas.openxmlformats.org/drawingml/2006/diagram" xmlns:o="urn:schemas-microsoft-com:office:office" xmlns:v="urn:schemas-microsoft-com:vml" xmlns:pvml="urn:schemas-microsoft-com:office:powerpoint" xmlns:com="https://schemas.openxmlformats.org/drawingml/2006/compatibility" xmlns:p14="https://schemas.microsoft.com/office/powerpoint/2010/main" showMasterPhAnim="0" showMasterSp="0">
   <p:cSld>
     <p:spTree>
       <p:nvGrpSpPr>
@@ -2107,7 +2107,7 @@
 </file>
 
 <file path=ppt/notesSlides/notesSlide17.xml><?xml version="1.0" encoding="utf-8"?>
-<p:notes xmlns:a="http://schemas.openxmlformats.org/drawingml/2006/main" xmlns:r="http://schemas.openxmlformats.org/officeDocument/2006/relationships" xmlns:mc="http://schemas.openxmlformats.org/markup-compatibility/2006" xmlns:mv="urn:schemas-microsoft-com:mac:vml" xmlns:p="http://schemas.openxmlformats.org/presentationml/2006/main" xmlns:c="http://schemas.openxmlformats.org/drawingml/2006/chart" xmlns:dgm="http://schemas.openxmlformats.org/drawingml/2006/diagram" xmlns:o="urn:schemas-microsoft-com:office:office" xmlns:v="urn:schemas-microsoft-com:vml" xmlns:pvml="urn:schemas-microsoft-com:office:powerpoint" xmlns:com="http://schemas.openxmlformats.org/drawingml/2006/compatibility" xmlns:p14="http://schemas.microsoft.com/office/powerpoint/2010/main" showMasterPhAnim="0" showMasterSp="0">
+<p:notes xmlns:a="https://schemas.openxmlformats.org/drawingml/2006/main" xmlns:r="https://schemas.openxmlformats.org/officeDocument/2006/relationships" xmlns:mc="https://schemas.openxmlformats.org/markup-compatibility/2006" xmlns:mv="urn:schemas-microsoft-com:mac:vml" xmlns:p="https://schemas.openxmlformats.org/presentationml/2006/main" xmlns:c="https://schemas.openxmlformats.org/drawingml/2006/chart" xmlns:dgm="https://schemas.openxmlformats.org/drawingml/2006/diagram" xmlns:o="urn:schemas-microsoft-com:office:office" xmlns:v="urn:schemas-microsoft-com:vml" xmlns:pvml="urn:schemas-microsoft-com:office:powerpoint" xmlns:com="https://schemas.openxmlformats.org/drawingml/2006/compatibility" xmlns:p14="https://schemas.microsoft.com/office/powerpoint/2010/main" showMasterPhAnim="0" showMasterSp="0">
   <p:cSld>
     <p:spTree>
       <p:nvGrpSpPr>
@@ -2248,7 +2248,7 @@
 </file>
 
 <file path=ppt/notesSlides/notesSlide18.xml><?xml version="1.0" encoding="utf-8"?>
-<p:notes xmlns:a="http://schemas.openxmlformats.org/drawingml/2006/main" xmlns:r="http://schemas.openxmlformats.org/officeDocument/2006/relationships" xmlns:mc="http://schemas.openxmlformats.org/markup-compatibility/2006" xmlns:mv="urn:schemas-microsoft-com:mac:vml" xmlns:p="http://schemas.openxmlformats.org/presentationml/2006/main" xmlns:c="http://schemas.openxmlformats.org/drawingml/2006/chart" xmlns:dgm="http://schemas.openxmlformats.org/drawingml/2006/diagram" xmlns:o="urn:schemas-microsoft-com:office:office" xmlns:v="urn:schemas-microsoft-com:vml" xmlns:pvml="urn:schemas-microsoft-com:office:powerpoint" xmlns:com="http://schemas.openxmlformats.org/drawingml/2006/compatibility" xmlns:p14="http://schemas.microsoft.com/office/powerpoint/2010/main" showMasterPhAnim="0" showMasterSp="0">
+<p:notes xmlns:a="https://schemas.openxmlformats.org/drawingml/2006/main" xmlns:r="https://schemas.openxmlformats.org/officeDocument/2006/relationships" xmlns:mc="https://schemas.openxmlformats.org/markup-compatibility/2006" xmlns:mv="urn:schemas-microsoft-com:mac:vml" xmlns:p="https://schemas.openxmlformats.org/presentationml/2006/main" xmlns:c="https://schemas.openxmlformats.org/drawingml/2006/chart" xmlns:dgm="https://schemas.openxmlformats.org/drawingml/2006/diagram" xmlns:o="urn:schemas-microsoft-com:office:office" xmlns:v="urn:schemas-microsoft-com:vml" xmlns:pvml="urn:schemas-microsoft-com:office:powerpoint" xmlns:com="https://schemas.openxmlformats.org/drawingml/2006/compatibility" xmlns:p14="https://schemas.microsoft.com/office/powerpoint/2010/main" showMasterPhAnim="0" showMasterSp="0">
   <p:cSld>
     <p:spTree>
       <p:nvGrpSpPr>
@@ -2394,7 +2394,7 @@
 </file>
 
 <file path=ppt/notesSlides/notesSlide19.xml><?xml version="1.0" encoding="utf-8"?>
-<p:notes xmlns:a="http://schemas.openxmlformats.org/drawingml/2006/main" xmlns:r="http://schemas.openxmlformats.org/officeDocument/2006/relationships" xmlns:mc="http://schemas.openxmlformats.org/markup-compatibility/2006" xmlns:mv="urn:schemas-microsoft-com:mac:vml" xmlns:p="http://schemas.openxmlformats.org/presentationml/2006/main" xmlns:c="http://schemas.openxmlformats.org/drawingml/2006/chart" xmlns:dgm="http://schemas.openxmlformats.org/drawingml/2006/diagram" xmlns:o="urn:schemas-microsoft-com:office:office" xmlns:v="urn:schemas-microsoft-com:vml" xmlns:pvml="urn:schemas-microsoft-com:office:powerpoint" xmlns:com="http://schemas.openxmlformats.org/drawingml/2006/compatibility" xmlns:p14="http://schemas.microsoft.com/office/powerpoint/2010/main" showMasterPhAnim="0" showMasterSp="0">
+<p:notes xmlns:a="https://schemas.openxmlformats.org/drawingml/2006/main" xmlns:r="https://schemas.openxmlformats.org/officeDocument/2006/relationships" xmlns:mc="https://schemas.openxmlformats.org/markup-compatibility/2006" xmlns:mv="urn:schemas-microsoft-com:mac:vml" xmlns:p="https://schemas.openxmlformats.org/presentationml/2006/main" xmlns:c="https://schemas.openxmlformats.org/drawingml/2006/chart" xmlns:dgm="https://schemas.openxmlformats.org/drawingml/2006/diagram" xmlns:o="urn:schemas-microsoft-com:office:office" xmlns:v="urn:schemas-microsoft-com:vml" xmlns:pvml="urn:schemas-microsoft-com:office:powerpoint" xmlns:com="https://schemas.openxmlformats.org/drawingml/2006/compatibility" xmlns:p14="https://schemas.microsoft.com/office/powerpoint/2010/main" showMasterPhAnim="0" showMasterSp="0">
   <p:cSld>
     <p:spTree>
       <p:nvGrpSpPr>
@@ -2540,7 +2540,7 @@
 </file>
 
 <file path=ppt/notesSlides/notesSlide2.xml><?xml version="1.0" encoding="utf-8"?>
-<p:notes xmlns:a="http://schemas.openxmlformats.org/drawingml/2006/main" xmlns:r="http://schemas.openxmlformats.org/officeDocument/2006/relationships" xmlns:mc="http://schemas.openxmlformats.org/markup-compatibility/2006" xmlns:mv="urn:schemas-microsoft-com:mac:vml" xmlns:p="http://schemas.openxmlformats.org/presentationml/2006/main" xmlns:c="http://schemas.openxmlformats.org/drawingml/2006/chart" xmlns:dgm="http://schemas.openxmlformats.org/drawingml/2006/diagram" xmlns:o="urn:schemas-microsoft-com:office:office" xmlns:v="urn:schemas-microsoft-com:vml" xmlns:pvml="urn:schemas-microsoft-com:office:powerpoint" xmlns:com="http://schemas.openxmlformats.org/drawingml/2006/compatibility" xmlns:p14="http://schemas.microsoft.com/office/powerpoint/2010/main" showMasterPhAnim="0" showMasterSp="0">
+<p:notes xmlns:a="https://schemas.openxmlformats.org/drawingml/2006/main" xmlns:r="https://schemas.openxmlformats.org/officeDocument/2006/relationships" xmlns:mc="https://schemas.openxmlformats.org/markup-compatibility/2006" xmlns:mv="urn:schemas-microsoft-com:mac:vml" xmlns:p="https://schemas.openxmlformats.org/presentationml/2006/main" xmlns:c="https://schemas.openxmlformats.org/drawingml/2006/chart" xmlns:dgm="https://schemas.openxmlformats.org/drawingml/2006/diagram" xmlns:o="urn:schemas-microsoft-com:office:office" xmlns:v="urn:schemas-microsoft-com:vml" xmlns:pvml="urn:schemas-microsoft-com:office:powerpoint" xmlns:com="https://schemas.openxmlformats.org/drawingml/2006/compatibility" xmlns:p14="https://schemas.microsoft.com/office/powerpoint/2010/main" showMasterPhAnim="0" showMasterSp="0">
   <p:cSld>
     <p:spTree>
       <p:nvGrpSpPr>
@@ -2738,7 +2738,7 @@
 </file>
 
 <file path=ppt/notesSlides/notesSlide20.xml><?xml version="1.0" encoding="utf-8"?>
-<p:notes xmlns:a="http://schemas.openxmlformats.org/drawingml/2006/main" xmlns:r="http://schemas.openxmlformats.org/officeDocument/2006/relationships" xmlns:mc="http://schemas.openxmlformats.org/markup-compatibility/2006" xmlns:mv="urn:schemas-microsoft-com:mac:vml" xmlns:p="http://schemas.openxmlformats.org/presentationml/2006/main" xmlns:c="http://schemas.openxmlformats.org/drawingml/2006/chart" xmlns:dgm="http://schemas.openxmlformats.org/drawingml/2006/diagram" xmlns:o="urn:schemas-microsoft-com:office:office" xmlns:v="urn:schemas-microsoft-com:vml" xmlns:pvml="urn:schemas-microsoft-com:office:powerpoint" xmlns:com="http://schemas.openxmlformats.org/drawingml/2006/compatibility" xmlns:p14="http://schemas.microsoft.com/office/powerpoint/2010/main" showMasterPhAnim="0" showMasterSp="0">
+<p:notes xmlns:a="https://schemas.openxmlformats.org/drawingml/2006/main" xmlns:r="https://schemas.openxmlformats.org/officeDocument/2006/relationships" xmlns:mc="https://schemas.openxmlformats.org/markup-compatibility/2006" xmlns:mv="urn:schemas-microsoft-com:mac:vml" xmlns:p="https://schemas.openxmlformats.org/presentationml/2006/main" xmlns:c="https://schemas.openxmlformats.org/drawingml/2006/chart" xmlns:dgm="https://schemas.openxmlformats.org/drawingml/2006/diagram" xmlns:o="urn:schemas-microsoft-com:office:office" xmlns:v="urn:schemas-microsoft-com:vml" xmlns:pvml="urn:schemas-microsoft-com:office:powerpoint" xmlns:com="https://schemas.openxmlformats.org/drawingml/2006/compatibility" xmlns:p14="https://schemas.microsoft.com/office/powerpoint/2010/main" showMasterPhAnim="0" showMasterSp="0">
   <p:cSld>
     <p:spTree>
       <p:nvGrpSpPr>
@@ -2879,7 +2879,7 @@
 </file>
 
 <file path=ppt/notesSlides/notesSlide21.xml><?xml version="1.0" encoding="utf-8"?>
-<p:notes xmlns:a="http://schemas.openxmlformats.org/drawingml/2006/main" xmlns:r="http://schemas.openxmlformats.org/officeDocument/2006/relationships" xmlns:mc="http://schemas.openxmlformats.org/markup-compatibility/2006" xmlns:mv="urn:schemas-microsoft-com:mac:vml" xmlns:p="http://schemas.openxmlformats.org/presentationml/2006/main" xmlns:c="http://schemas.openxmlformats.org/drawingml/2006/chart" xmlns:dgm="http://schemas.openxmlformats.org/drawingml/2006/diagram" xmlns:o="urn:schemas-microsoft-com:office:office" xmlns:v="urn:schemas-microsoft-com:vml" xmlns:pvml="urn:schemas-microsoft-com:office:powerpoint" xmlns:com="http://schemas.openxmlformats.org/drawingml/2006/compatibility" xmlns:p14="http://schemas.microsoft.com/office/powerpoint/2010/main" showMasterPhAnim="0" showMasterSp="0">
+<p:notes xmlns:a="https://schemas.openxmlformats.org/drawingml/2006/main" xmlns:r="https://schemas.openxmlformats.org/officeDocument/2006/relationships" xmlns:mc="https://schemas.openxmlformats.org/markup-compatibility/2006" xmlns:mv="urn:schemas-microsoft-com:mac:vml" xmlns:p="https://schemas.openxmlformats.org/presentationml/2006/main" xmlns:c="https://schemas.openxmlformats.org/drawingml/2006/chart" xmlns:dgm="https://schemas.openxmlformats.org/drawingml/2006/diagram" xmlns:o="urn:schemas-microsoft-com:office:office" xmlns:v="urn:schemas-microsoft-com:vml" xmlns:pvml="urn:schemas-microsoft-com:office:powerpoint" xmlns:com="https://schemas.openxmlformats.org/drawingml/2006/compatibility" xmlns:p14="https://schemas.microsoft.com/office/powerpoint/2010/main" showMasterPhAnim="0" showMasterSp="0">
   <p:cSld>
     <p:spTree>
       <p:nvGrpSpPr>
@@ -3020,7 +3020,7 @@
 </file>
 
 <file path=ppt/notesSlides/notesSlide22.xml><?xml version="1.0" encoding="utf-8"?>
-<p:notes xmlns:a="http://schemas.openxmlformats.org/drawingml/2006/main" xmlns:r="http://schemas.openxmlformats.org/officeDocument/2006/relationships" xmlns:mc="http://schemas.openxmlformats.org/markup-compatibility/2006" xmlns:mv="urn:schemas-microsoft-com:mac:vml" xmlns:p="http://schemas.openxmlformats.org/presentationml/2006/main" xmlns:c="http://schemas.openxmlformats.org/drawingml/2006/chart" xmlns:dgm="http://schemas.openxmlformats.org/drawingml/2006/diagram" xmlns:o="urn:schemas-microsoft-com:office:office" xmlns:v="urn:schemas-microsoft-com:vml" xmlns:pvml="urn:schemas-microsoft-com:office:powerpoint" xmlns:com="http://schemas.openxmlformats.org/drawingml/2006/compatibility" xmlns:p14="http://schemas.microsoft.com/office/powerpoint/2010/main" showMasterPhAnim="0" showMasterSp="0">
+<p:notes xmlns:a="https://schemas.openxmlformats.org/drawingml/2006/main" xmlns:r="https://schemas.openxmlformats.org/officeDocument/2006/relationships" xmlns:mc="https://schemas.openxmlformats.org/markup-compatibility/2006" xmlns:mv="urn:schemas-microsoft-com:mac:vml" xmlns:p="https://schemas.openxmlformats.org/presentationml/2006/main" xmlns:c="https://schemas.openxmlformats.org/drawingml/2006/chart" xmlns:dgm="https://schemas.openxmlformats.org/drawingml/2006/diagram" xmlns:o="urn:schemas-microsoft-com:office:office" xmlns:v="urn:schemas-microsoft-com:vml" xmlns:pvml="urn:schemas-microsoft-com:office:powerpoint" xmlns:com="https://schemas.openxmlformats.org/drawingml/2006/compatibility" xmlns:p14="https://schemas.microsoft.com/office/powerpoint/2010/main" showMasterPhAnim="0" showMasterSp="0">
   <p:cSld>
     <p:spTree>
       <p:nvGrpSpPr>
@@ -3166,7 +3166,7 @@
 </file>
 
 <file path=ppt/notesSlides/notesSlide23.xml><?xml version="1.0" encoding="utf-8"?>
-<p:notes xmlns:a="http://schemas.openxmlformats.org/drawingml/2006/main" xmlns:r="http://schemas.openxmlformats.org/officeDocument/2006/relationships" xmlns:mc="http://schemas.openxmlformats.org/markup-compatibility/2006" xmlns:mv="urn:schemas-microsoft-com:mac:vml" xmlns:p="http://schemas.openxmlformats.org/presentationml/2006/main" xmlns:c="http://schemas.openxmlformats.org/drawingml/2006/chart" xmlns:dgm="http://schemas.openxmlformats.org/drawingml/2006/diagram" xmlns:o="urn:schemas-microsoft-com:office:office" xmlns:v="urn:schemas-microsoft-com:vml" xmlns:pvml="urn:schemas-microsoft-com:office:powerpoint" xmlns:com="http://schemas.openxmlformats.org/drawingml/2006/compatibility" xmlns:p14="http://schemas.microsoft.com/office/powerpoint/2010/main" showMasterPhAnim="0" showMasterSp="0">
+<p:notes xmlns:a="https://schemas.openxmlformats.org/drawingml/2006/main" xmlns:r="https://schemas.openxmlformats.org/officeDocument/2006/relationships" xmlns:mc="https://schemas.openxmlformats.org/markup-compatibility/2006" xmlns:mv="urn:schemas-microsoft-com:mac:vml" xmlns:p="https://schemas.openxmlformats.org/presentationml/2006/main" xmlns:c="https://schemas.openxmlformats.org/drawingml/2006/chart" xmlns:dgm="https://schemas.openxmlformats.org/drawingml/2006/diagram" xmlns:o="urn:schemas-microsoft-com:office:office" xmlns:v="urn:schemas-microsoft-com:vml" xmlns:pvml="urn:schemas-microsoft-com:office:powerpoint" xmlns:com="https://schemas.openxmlformats.org/drawingml/2006/compatibility" xmlns:p14="https://schemas.microsoft.com/office/powerpoint/2010/main" showMasterPhAnim="0" showMasterSp="0">
   <p:cSld>
     <p:spTree>
       <p:nvGrpSpPr>
@@ -3312,7 +3312,7 @@
 </file>
 
 <file path=ppt/notesSlides/notesSlide24.xml><?xml version="1.0" encoding="utf-8"?>
-<p:notes xmlns:a="http://schemas.openxmlformats.org/drawingml/2006/main" xmlns:r="http://schemas.openxmlformats.org/officeDocument/2006/relationships" xmlns:mc="http://schemas.openxmlformats.org/markup-compatibility/2006" xmlns:mv="urn:schemas-microsoft-com:mac:vml" xmlns:p="http://schemas.openxmlformats.org/presentationml/2006/main" xmlns:c="http://schemas.openxmlformats.org/drawingml/2006/chart" xmlns:dgm="http://schemas.openxmlformats.org/drawingml/2006/diagram" xmlns:o="urn:schemas-microsoft-com:office:office" xmlns:v="urn:schemas-microsoft-com:vml" xmlns:pvml="urn:schemas-microsoft-com:office:powerpoint" xmlns:com="http://schemas.openxmlformats.org/drawingml/2006/compatibility" xmlns:p14="http://schemas.microsoft.com/office/powerpoint/2010/main" showMasterPhAnim="0" showMasterSp="0">
+<p:notes xmlns:a="https://schemas.openxmlformats.org/drawingml/2006/main" xmlns:r="https://schemas.openxmlformats.org/officeDocument/2006/relationships" xmlns:mc="https://schemas.openxmlformats.org/markup-compatibility/2006" xmlns:mv="urn:schemas-microsoft-com:mac:vml" xmlns:p="https://schemas.openxmlformats.org/presentationml/2006/main" xmlns:c="https://schemas.openxmlformats.org/drawingml/2006/chart" xmlns:dgm="https://schemas.openxmlformats.org/drawingml/2006/diagram" xmlns:o="urn:schemas-microsoft-com:office:office" xmlns:v="urn:schemas-microsoft-com:vml" xmlns:pvml="urn:schemas-microsoft-com:office:powerpoint" xmlns:com="https://schemas.openxmlformats.org/drawingml/2006/compatibility" xmlns:p14="https://schemas.microsoft.com/office/powerpoint/2010/main" showMasterPhAnim="0" showMasterSp="0">
   <p:cSld>
     <p:spTree>
       <p:nvGrpSpPr>
@@ -3458,7 +3458,7 @@
 </file>
 
 <file path=ppt/notesSlides/notesSlide25.xml><?xml version="1.0" encoding="utf-8"?>
-<p:notes xmlns:a="http://schemas.openxmlformats.org/drawingml/2006/main" xmlns:r="http://schemas.openxmlformats.org/officeDocument/2006/relationships" xmlns:mc="http://schemas.openxmlformats.org/markup-compatibility/2006" xmlns:mv="urn:schemas-microsoft-com:mac:vml" xmlns:p="http://schemas.openxmlformats.org/presentationml/2006/main" xmlns:c="http://schemas.openxmlformats.org/drawingml/2006/chart" xmlns:dgm="http://schemas.openxmlformats.org/drawingml/2006/diagram" xmlns:o="urn:schemas-microsoft-com:office:office" xmlns:v="urn:schemas-microsoft-com:vml" xmlns:pvml="urn:schemas-microsoft-com:office:powerpoint" xmlns:com="http://schemas.openxmlformats.org/drawingml/2006/compatibility" xmlns:p14="http://schemas.microsoft.com/office/powerpoint/2010/main" showMasterPhAnim="0" showMasterSp="0">
+<p:notes xmlns:a="https://schemas.openxmlformats.org/drawingml/2006/main" xmlns:r="https://schemas.openxmlformats.org/officeDocument/2006/relationships" xmlns:mc="https://schemas.openxmlformats.org/markup-compatibility/2006" xmlns:mv="urn:schemas-microsoft-com:mac:vml" xmlns:p="https://schemas.openxmlformats.org/presentationml/2006/main" xmlns:c="https://schemas.openxmlformats.org/drawingml/2006/chart" xmlns:dgm="https://schemas.openxmlformats.org/drawingml/2006/diagram" xmlns:o="urn:schemas-microsoft-com:office:office" xmlns:v="urn:schemas-microsoft-com:vml" xmlns:pvml="urn:schemas-microsoft-com:office:powerpoint" xmlns:com="https://schemas.openxmlformats.org/drawingml/2006/compatibility" xmlns:p14="https://schemas.microsoft.com/office/powerpoint/2010/main" showMasterPhAnim="0" showMasterSp="0">
   <p:cSld>
     <p:spTree>
       <p:nvGrpSpPr>
@@ -3604,7 +3604,7 @@
 </file>
 
 <file path=ppt/notesSlides/notesSlide26.xml><?xml version="1.0" encoding="utf-8"?>
-<p:notes xmlns:a="http://schemas.openxmlformats.org/drawingml/2006/main" xmlns:r="http://schemas.openxmlformats.org/officeDocument/2006/relationships" xmlns:mc="http://schemas.openxmlformats.org/markup-compatibility/2006" xmlns:mv="urn:schemas-microsoft-com:mac:vml" xmlns:p="http://schemas.openxmlformats.org/presentationml/2006/main" xmlns:c="http://schemas.openxmlformats.org/drawingml/2006/chart" xmlns:dgm="http://schemas.openxmlformats.org/drawingml/2006/diagram" xmlns:o="urn:schemas-microsoft-com:office:office" xmlns:v="urn:schemas-microsoft-com:vml" xmlns:pvml="urn:schemas-microsoft-com:office:powerpoint" xmlns:com="http://schemas.openxmlformats.org/drawingml/2006/compatibility" xmlns:p14="http://schemas.microsoft.com/office/powerpoint/2010/main" showMasterPhAnim="0" showMasterSp="0">
+<p:notes xmlns:a="https://schemas.openxmlformats.org/drawingml/2006/main" xmlns:r="https://schemas.openxmlformats.org/officeDocument/2006/relationships" xmlns:mc="https://schemas.openxmlformats.org/markup-compatibility/2006" xmlns:mv="urn:schemas-microsoft-com:mac:vml" xmlns:p="https://schemas.openxmlformats.org/presentationml/2006/main" xmlns:c="https://schemas.openxmlformats.org/drawingml/2006/chart" xmlns:dgm="https://schemas.openxmlformats.org/drawingml/2006/diagram" xmlns:o="urn:schemas-microsoft-com:office:office" xmlns:v="urn:schemas-microsoft-com:vml" xmlns:pvml="urn:schemas-microsoft-com:office:powerpoint" xmlns:com="https://schemas.openxmlformats.org/drawingml/2006/compatibility" xmlns:p14="https://schemas.microsoft.com/office/powerpoint/2010/main" showMasterPhAnim="0" showMasterSp="0">
   <p:cSld>
     <p:spTree>
       <p:nvGrpSpPr>
@@ -3745,7 +3745,7 @@
 </file>
 
 <file path=ppt/notesSlides/notesSlide27.xml><?xml version="1.0" encoding="utf-8"?>
-<p:notes xmlns:a="http://schemas.openxmlformats.org/drawingml/2006/main" xmlns:r="http://schemas.openxmlformats.org/officeDocument/2006/relationships" xmlns:mc="http://schemas.openxmlformats.org/markup-compatibility/2006" xmlns:mv="urn:schemas-microsoft-com:mac:vml" xmlns:p="http://schemas.openxmlformats.org/presentationml/2006/main" xmlns:c="http://schemas.openxmlformats.org/drawingml/2006/chart" xmlns:dgm="http://schemas.openxmlformats.org/drawingml/2006/diagram" xmlns:o="urn:schemas-microsoft-com:office:office" xmlns:v="urn:schemas-microsoft-com:vml" xmlns:pvml="urn:schemas-microsoft-com:office:powerpoint" xmlns:com="http://schemas.openxmlformats.org/drawingml/2006/compatibility" xmlns:p14="http://schemas.microsoft.com/office/powerpoint/2010/main" showMasterPhAnim="0" showMasterSp="0">
+<p:notes xmlns:a="https://schemas.openxmlformats.org/drawingml/2006/main" xmlns:r="https://schemas.openxmlformats.org/officeDocument/2006/relationships" xmlns:mc="https://schemas.openxmlformats.org/markup-compatibility/2006" xmlns:mv="urn:schemas-microsoft-com:mac:vml" xmlns:p="https://schemas.openxmlformats.org/presentationml/2006/main" xmlns:c="https://schemas.openxmlformats.org/drawingml/2006/chart" xmlns:dgm="https://schemas.openxmlformats.org/drawingml/2006/diagram" xmlns:o="urn:schemas-microsoft-com:office:office" xmlns:v="urn:schemas-microsoft-com:vml" xmlns:pvml="urn:schemas-microsoft-com:office:powerpoint" xmlns:com="https://schemas.openxmlformats.org/drawingml/2006/compatibility" xmlns:p14="https://schemas.microsoft.com/office/powerpoint/2010/main" showMasterPhAnim="0" showMasterSp="0">
   <p:cSld>
     <p:spTree>
       <p:nvGrpSpPr>
@@ -3886,7 +3886,7 @@
 </file>
 
 <file path=ppt/notesSlides/notesSlide28.xml><?xml version="1.0" encoding="utf-8"?>
-<p:notes xmlns:a="http://schemas.openxmlformats.org/drawingml/2006/main" xmlns:r="http://schemas.openxmlformats.org/officeDocument/2006/relationships" xmlns:mc="http://schemas.openxmlformats.org/markup-compatibility/2006" xmlns:mv="urn:schemas-microsoft-com:mac:vml" xmlns:p="http://schemas.openxmlformats.org/presentationml/2006/main" xmlns:c="http://schemas.openxmlformats.org/drawingml/2006/chart" xmlns:dgm="http://schemas.openxmlformats.org/drawingml/2006/diagram" xmlns:o="urn:schemas-microsoft-com:office:office" xmlns:v="urn:schemas-microsoft-com:vml" xmlns:pvml="urn:schemas-microsoft-com:office:powerpoint" xmlns:com="http://schemas.openxmlformats.org/drawingml/2006/compatibility" xmlns:p14="http://schemas.microsoft.com/office/powerpoint/2010/main" showMasterPhAnim="0" showMasterSp="0">
+<p:notes xmlns:a="https://schemas.openxmlformats.org/drawingml/2006/main" xmlns:r="https://schemas.openxmlformats.org/officeDocument/2006/relationships" xmlns:mc="https://schemas.openxmlformats.org/markup-compatibility/2006" xmlns:mv="urn:schemas-microsoft-com:mac:vml" xmlns:p="https://schemas.openxmlformats.org/presentationml/2006/main" xmlns:c="https://schemas.openxmlformats.org/drawingml/2006/chart" xmlns:dgm="https://schemas.openxmlformats.org/drawingml/2006/diagram" xmlns:o="urn:schemas-microsoft-com:office:office" xmlns:v="urn:schemas-microsoft-com:vml" xmlns:pvml="urn:schemas-microsoft-com:office:powerpoint" xmlns:com="https://schemas.openxmlformats.org/drawingml/2006/compatibility" xmlns:p14="https://schemas.microsoft.com/office/powerpoint/2010/main" showMasterPhAnim="0" showMasterSp="0">
   <p:cSld>
     <p:spTree>
       <p:nvGrpSpPr>
@@ -4027,7 +4027,7 @@
 </file>
 
 <file path=ppt/notesSlides/notesSlide29.xml><?xml version="1.0" encoding="utf-8"?>
-<p:notes xmlns:a="http://schemas.openxmlformats.org/drawingml/2006/main" xmlns:r="http://schemas.openxmlformats.org/officeDocument/2006/relationships" xmlns:mc="http://schemas.openxmlformats.org/markup-compatibility/2006" xmlns:mv="urn:schemas-microsoft-com:mac:vml" xmlns:p="http://schemas.openxmlformats.org/presentationml/2006/main" xmlns:c="http://schemas.openxmlformats.org/drawingml/2006/chart" xmlns:dgm="http://schemas.openxmlformats.org/drawingml/2006/diagram" xmlns:o="urn:schemas-microsoft-com:office:office" xmlns:v="urn:schemas-microsoft-com:vml" xmlns:pvml="urn:schemas-microsoft-com:office:powerpoint" xmlns:com="http://schemas.openxmlformats.org/drawingml/2006/compatibility" xmlns:p14="http://schemas.microsoft.com/office/powerpoint/2010/main" showMasterPhAnim="0" showMasterSp="0">
+<p:notes xmlns:a="https://schemas.openxmlformats.org/drawingml/2006/main" xmlns:r="https://schemas.openxmlformats.org/officeDocument/2006/relationships" xmlns:mc="https://schemas.openxmlformats.org/markup-compatibility/2006" xmlns:mv="urn:schemas-microsoft-com:mac:vml" xmlns:p="https://schemas.openxmlformats.org/presentationml/2006/main" xmlns:c="https://schemas.openxmlformats.org/drawingml/2006/chart" xmlns:dgm="https://schemas.openxmlformats.org/drawingml/2006/diagram" xmlns:o="urn:schemas-microsoft-com:office:office" xmlns:v="urn:schemas-microsoft-com:vml" xmlns:pvml="urn:schemas-microsoft-com:office:powerpoint" xmlns:com="https://schemas.openxmlformats.org/drawingml/2006/compatibility" xmlns:p14="https://schemas.microsoft.com/office/powerpoint/2010/main" showMasterPhAnim="0" showMasterSp="0">
   <p:cSld>
     <p:spTree>
       <p:nvGrpSpPr>
@@ -4173,7 +4173,7 @@
 </file>
 
 <file path=ppt/notesSlides/notesSlide3.xml><?xml version="1.0" encoding="utf-8"?>
-<p:notes xmlns:a="http://schemas.openxmlformats.org/drawingml/2006/main" xmlns:r="http://schemas.openxmlformats.org/officeDocument/2006/relationships" xmlns:mc="http://schemas.openxmlformats.org/markup-compatibility/2006" xmlns:mv="urn:schemas-microsoft-com:mac:vml" xmlns:p="http://schemas.openxmlformats.org/presentationml/2006/main" xmlns:c="http://schemas.openxmlformats.org/drawingml/2006/chart" xmlns:dgm="http://schemas.openxmlformats.org/drawingml/2006/diagram" xmlns:o="urn:schemas-microsoft-com:office:office" xmlns:v="urn:schemas-microsoft-com:vml" xmlns:pvml="urn:schemas-microsoft-com:office:powerpoint" xmlns:com="http://schemas.openxmlformats.org/drawingml/2006/compatibility" xmlns:p14="http://schemas.microsoft.com/office/powerpoint/2010/main" showMasterPhAnim="0" showMasterSp="0">
+<p:notes xmlns:a="https://schemas.openxmlformats.org/drawingml/2006/main" xmlns:r="https://schemas.openxmlformats.org/officeDocument/2006/relationships" xmlns:mc="https://schemas.openxmlformats.org/markup-compatibility/2006" xmlns:mv="urn:schemas-microsoft-com:mac:vml" xmlns:p="https://schemas.openxmlformats.org/presentationml/2006/main" xmlns:c="https://schemas.openxmlformats.org/drawingml/2006/chart" xmlns:dgm="https://schemas.openxmlformats.org/drawingml/2006/diagram" xmlns:o="urn:schemas-microsoft-com:office:office" xmlns:v="urn:schemas-microsoft-com:vml" xmlns:pvml="urn:schemas-microsoft-com:office:powerpoint" xmlns:com="https://schemas.openxmlformats.org/drawingml/2006/compatibility" xmlns:p14="https://schemas.microsoft.com/office/powerpoint/2010/main" showMasterPhAnim="0" showMasterSp="0">
   <p:cSld>
     <p:spTree>
       <p:nvGrpSpPr>
@@ -4319,7 +4319,7 @@
 </file>
 
 <file path=ppt/notesSlides/notesSlide30.xml><?xml version="1.0" encoding="utf-8"?>
-<p:notes xmlns:a="http://schemas.openxmlformats.org/drawingml/2006/main" xmlns:r="http://schemas.openxmlformats.org/officeDocument/2006/relationships" xmlns:mc="http://schemas.openxmlformats.org/markup-compatibility/2006" xmlns:mv="urn:schemas-microsoft-com:mac:vml" xmlns:p="http://schemas.openxmlformats.org/presentationml/2006/main" xmlns:c="http://schemas.openxmlformats.org/drawingml/2006/chart" xmlns:dgm="http://schemas.openxmlformats.org/drawingml/2006/diagram" xmlns:o="urn:schemas-microsoft-com:office:office" xmlns:v="urn:schemas-microsoft-com:vml" xmlns:pvml="urn:schemas-microsoft-com:office:powerpoint" xmlns:com="http://schemas.openxmlformats.org/drawingml/2006/compatibility" xmlns:p14="http://schemas.microsoft.com/office/powerpoint/2010/main" showMasterPhAnim="0" showMasterSp="0">
+<p:notes xmlns:a="https://schemas.openxmlformats.org/drawingml/2006/main" xmlns:r="https://schemas.openxmlformats.org/officeDocument/2006/relationships" xmlns:mc="https://schemas.openxmlformats.org/markup-compatibility/2006" xmlns:mv="urn:schemas-microsoft-com:mac:vml" xmlns:p="https://schemas.openxmlformats.org/presentationml/2006/main" xmlns:c="https://schemas.openxmlformats.org/drawingml/2006/chart" xmlns:dgm="https://schemas.openxmlformats.org/drawingml/2006/diagram" xmlns:o="urn:schemas-microsoft-com:office:office" xmlns:v="urn:schemas-microsoft-com:vml" xmlns:pvml="urn:schemas-microsoft-com:office:powerpoint" xmlns:com="https://schemas.openxmlformats.org/drawingml/2006/compatibility" xmlns:p14="https://schemas.microsoft.com/office/powerpoint/2010/main" showMasterPhAnim="0" showMasterSp="0">
   <p:cSld>
     <p:spTree>
       <p:nvGrpSpPr>
@@ -4465,7 +4465,7 @@
 </file>
 
 <file path=ppt/notesSlides/notesSlide4.xml><?xml version="1.0" encoding="utf-8"?>
-<p:notes xmlns:a="http://schemas.openxmlformats.org/drawingml/2006/main" xmlns:r="http://schemas.openxmlformats.org/officeDocument/2006/relationships" xmlns:mc="http://schemas.openxmlformats.org/markup-compatibility/2006" xmlns:mv="urn:schemas-microsoft-com:mac:vml" xmlns:p="http://schemas.openxmlformats.org/presentationml/2006/main" xmlns:c="http://schemas.openxmlformats.org/drawingml/2006/chart" xmlns:dgm="http://schemas.openxmlformats.org/drawingml/2006/diagram" xmlns:o="urn:schemas-microsoft-com:office:office" xmlns:v="urn:schemas-microsoft-com:vml" xmlns:pvml="urn:schemas-microsoft-com:office:powerpoint" xmlns:com="http://schemas.openxmlformats.org/drawingml/2006/compatibility" xmlns:p14="http://schemas.microsoft.com/office/powerpoint/2010/main" showMasterPhAnim="0" showMasterSp="0">
+<p:notes xmlns:a="https://schemas.openxmlformats.org/drawingml/2006/main" xmlns:r="https://schemas.openxmlformats.org/officeDocument/2006/relationships" xmlns:mc="https://schemas.openxmlformats.org/markup-compatibility/2006" xmlns:mv="urn:schemas-microsoft-com:mac:vml" xmlns:p="https://schemas.openxmlformats.org/presentationml/2006/main" xmlns:c="https://schemas.openxmlformats.org/drawingml/2006/chart" xmlns:dgm="https://schemas.openxmlformats.org/drawingml/2006/diagram" xmlns:o="urn:schemas-microsoft-com:office:office" xmlns:v="urn:schemas-microsoft-com:vml" xmlns:pvml="urn:schemas-microsoft-com:office:powerpoint" xmlns:com="https://schemas.openxmlformats.org/drawingml/2006/compatibility" xmlns:p14="https://schemas.microsoft.com/office/powerpoint/2010/main" showMasterPhAnim="0" showMasterSp="0">
   <p:cSld>
     <p:spTree>
       <p:nvGrpSpPr>
@@ -4611,7 +4611,7 @@
 </file>
 
 <file path=ppt/notesSlides/notesSlide5.xml><?xml version="1.0" encoding="utf-8"?>
-<p:notes xmlns:a="http://schemas.openxmlformats.org/drawingml/2006/main" xmlns:r="http://schemas.openxmlformats.org/officeDocument/2006/relationships" xmlns:mc="http://schemas.openxmlformats.org/markup-compatibility/2006" xmlns:mv="urn:schemas-microsoft-com:mac:vml" xmlns:p="http://schemas.openxmlformats.org/presentationml/2006/main" xmlns:c="http://schemas.openxmlformats.org/drawingml/2006/chart" xmlns:dgm="http://schemas.openxmlformats.org/drawingml/2006/diagram" xmlns:o="urn:schemas-microsoft-com:office:office" xmlns:v="urn:schemas-microsoft-com:vml" xmlns:pvml="urn:schemas-microsoft-com:office:powerpoint" xmlns:com="http://schemas.openxmlformats.org/drawingml/2006/compatibility" xmlns:p14="http://schemas.microsoft.com/office/powerpoint/2010/main" showMasterPhAnim="0" showMasterSp="0">
+<p:notes xmlns:a="https://schemas.openxmlformats.org/drawingml/2006/main" xmlns:r="https://schemas.openxmlformats.org/officeDocument/2006/relationships" xmlns:mc="https://schemas.openxmlformats.org/markup-compatibility/2006" xmlns:mv="urn:schemas-microsoft-com:mac:vml" xmlns:p="https://schemas.openxmlformats.org/presentationml/2006/main" xmlns:c="https://schemas.openxmlformats.org/drawingml/2006/chart" xmlns:dgm="https://schemas.openxmlformats.org/drawingml/2006/diagram" xmlns:o="urn:schemas-microsoft-com:office:office" xmlns:v="urn:schemas-microsoft-com:vml" xmlns:pvml="urn:schemas-microsoft-com:office:powerpoint" xmlns:com="https://schemas.openxmlformats.org/drawingml/2006/compatibility" xmlns:p14="https://schemas.microsoft.com/office/powerpoint/2010/main" showMasterPhAnim="0" showMasterSp="0">
   <p:cSld>
     <p:spTree>
       <p:nvGrpSpPr>
@@ -4757,7 +4757,7 @@
 </file>
 
 <file path=ppt/notesSlides/notesSlide6.xml><?xml version="1.0" encoding="utf-8"?>
-<p:notes xmlns:a="http://schemas.openxmlformats.org/drawingml/2006/main" xmlns:r="http://schemas.openxmlformats.org/officeDocument/2006/relationships" xmlns:mc="http://schemas.openxmlformats.org/markup-compatibility/2006" xmlns:mv="urn:schemas-microsoft-com:mac:vml" xmlns:p="http://schemas.openxmlformats.org/presentationml/2006/main" xmlns:c="http://schemas.openxmlformats.org/drawingml/2006/chart" xmlns:dgm="http://schemas.openxmlformats.org/drawingml/2006/diagram" xmlns:o="urn:schemas-microsoft-com:office:office" xmlns:v="urn:schemas-microsoft-com:vml" xmlns:pvml="urn:schemas-microsoft-com:office:powerpoint" xmlns:com="http://schemas.openxmlformats.org/drawingml/2006/compatibility" xmlns:p14="http://schemas.microsoft.com/office/powerpoint/2010/main" showMasterPhAnim="0" showMasterSp="0">
+<p:notes xmlns:a="https://schemas.openxmlformats.org/drawingml/2006/main" xmlns:r="https://schemas.openxmlformats.org/officeDocument/2006/relationships" xmlns:mc="https://schemas.openxmlformats.org/markup-compatibility/2006" xmlns:mv="urn:schemas-microsoft-com:mac:vml" xmlns:p="https://schemas.openxmlformats.org/presentationml/2006/main" xmlns:c="https://schemas.openxmlformats.org/drawingml/2006/chart" xmlns:dgm="https://schemas.openxmlformats.org/drawingml/2006/diagram" xmlns:o="urn:schemas-microsoft-com:office:office" xmlns:v="urn:schemas-microsoft-com:vml" xmlns:pvml="urn:schemas-microsoft-com:office:powerpoint" xmlns:com="https://schemas.openxmlformats.org/drawingml/2006/compatibility" xmlns:p14="https://schemas.microsoft.com/office/powerpoint/2010/main" showMasterPhAnim="0" showMasterSp="0">
   <p:cSld>
     <p:spTree>
       <p:nvGrpSpPr>
@@ -4903,7 +4903,7 @@
 </file>
 
 <file path=ppt/notesSlides/notesSlide7.xml><?xml version="1.0" encoding="utf-8"?>
-<p:notes xmlns:a="http://schemas.openxmlformats.org/drawingml/2006/main" xmlns:r="http://schemas.openxmlformats.org/officeDocument/2006/relationships" xmlns:mc="http://schemas.openxmlformats.org/markup-compatibility/2006" xmlns:mv="urn:schemas-microsoft-com:mac:vml" xmlns:p="http://schemas.openxmlformats.org/presentationml/2006/main" xmlns:c="http://schemas.openxmlformats.org/drawingml/2006/chart" xmlns:dgm="http://schemas.openxmlformats.org/drawingml/2006/diagram" xmlns:o="urn:schemas-microsoft-com:office:office" xmlns:v="urn:schemas-microsoft-com:vml" xmlns:pvml="urn:schemas-microsoft-com:office:powerpoint" xmlns:com="http://schemas.openxmlformats.org/drawingml/2006/compatibility" xmlns:p14="http://schemas.microsoft.com/office/powerpoint/2010/main" showMasterPhAnim="0" showMasterSp="0">
+<p:notes xmlns:a="https://schemas.openxmlformats.org/drawingml/2006/main" xmlns:r="https://schemas.openxmlformats.org/officeDocument/2006/relationships" xmlns:mc="https://schemas.openxmlformats.org/markup-compatibility/2006" xmlns:mv="urn:schemas-microsoft-com:mac:vml" xmlns:p="https://schemas.openxmlformats.org/presentationml/2006/main" xmlns:c="https://schemas.openxmlformats.org/drawingml/2006/chart" xmlns:dgm="https://schemas.openxmlformats.org/drawingml/2006/diagram" xmlns:o="urn:schemas-microsoft-com:office:office" xmlns:v="urn:schemas-microsoft-com:vml" xmlns:pvml="urn:schemas-microsoft-com:office:powerpoint" xmlns:com="https://schemas.openxmlformats.org/drawingml/2006/compatibility" xmlns:p14="https://schemas.microsoft.com/office/powerpoint/2010/main" showMasterPhAnim="0" showMasterSp="0">
   <p:cSld>
     <p:spTree>
       <p:nvGrpSpPr>
@@ -5049,7 +5049,7 @@
 </file>
 
 <file path=ppt/notesSlides/notesSlide8.xml><?xml version="1.0" encoding="utf-8"?>
-<p:notes xmlns:a="http://schemas.openxmlformats.org/drawingml/2006/main" xmlns:r="http://schemas.openxmlformats.org/officeDocument/2006/relationships" xmlns:mc="http://schemas.openxmlformats.org/markup-compatibility/2006" xmlns:mv="urn:schemas-microsoft-com:mac:vml" xmlns:p="http://schemas.openxmlformats.org/presentationml/2006/main" xmlns:c="http://schemas.openxmlformats.org/drawingml/2006/chart" xmlns:dgm="http://schemas.openxmlformats.org/drawingml/2006/diagram" xmlns:o="urn:schemas-microsoft-com:office:office" xmlns:v="urn:schemas-microsoft-com:vml" xmlns:pvml="urn:schemas-microsoft-com:office:powerpoint" xmlns:com="http://schemas.openxmlformats.org/drawingml/2006/compatibility" xmlns:p14="http://schemas.microsoft.com/office/powerpoint/2010/main" showMasterPhAnim="0" showMasterSp="0">
+<p:notes xmlns:a="https://schemas.openxmlformats.org/drawingml/2006/main" xmlns:r="https://schemas.openxmlformats.org/officeDocument/2006/relationships" xmlns:mc="https://schemas.openxmlformats.org/markup-compatibility/2006" xmlns:mv="urn:schemas-microsoft-com:mac:vml" xmlns:p="https://schemas.openxmlformats.org/presentationml/2006/main" xmlns:c="https://schemas.openxmlformats.org/drawingml/2006/chart" xmlns:dgm="https://schemas.openxmlformats.org/drawingml/2006/diagram" xmlns:o="urn:schemas-microsoft-com:office:office" xmlns:v="urn:schemas-microsoft-com:vml" xmlns:pvml="urn:schemas-microsoft-com:office:powerpoint" xmlns:com="https://schemas.openxmlformats.org/drawingml/2006/compatibility" xmlns:p14="https://schemas.microsoft.com/office/powerpoint/2010/main" showMasterPhAnim="0" showMasterSp="0">
   <p:cSld>
     <p:spTree>
       <p:nvGrpSpPr>
@@ -5195,7 +5195,7 @@
 </file>
 
 <file path=ppt/notesSlides/notesSlide9.xml><?xml version="1.0" encoding="utf-8"?>
-<p:notes xmlns:a="http://schemas.openxmlformats.org/drawingml/2006/main" xmlns:r="http://schemas.openxmlformats.org/officeDocument/2006/relationships" xmlns:mc="http://schemas.openxmlformats.org/markup-compatibility/2006" xmlns:mv="urn:schemas-microsoft-com:mac:vml" xmlns:p="http://schemas.openxmlformats.org/presentationml/2006/main" xmlns:c="http://schemas.openxmlformats.org/drawingml/2006/chart" xmlns:dgm="http://schemas.openxmlformats.org/drawingml/2006/diagram" xmlns:o="urn:schemas-microsoft-com:office:office" xmlns:v="urn:schemas-microsoft-com:vml" xmlns:pvml="urn:schemas-microsoft-com:office:powerpoint" xmlns:com="http://schemas.openxmlformats.org/drawingml/2006/compatibility" xmlns:p14="http://schemas.microsoft.com/office/powerpoint/2010/main" showMasterPhAnim="0" showMasterSp="0">
+<p:notes xmlns:a="https://schemas.openxmlformats.org/drawingml/2006/main" xmlns:r="https://schemas.openxmlformats.org/officeDocument/2006/relationships" xmlns:mc="https://schemas.openxmlformats.org/markup-compatibility/2006" xmlns:mv="urn:schemas-microsoft-com:mac:vml" xmlns:p="https://schemas.openxmlformats.org/presentationml/2006/main" xmlns:c="https://schemas.openxmlformats.org/drawingml/2006/chart" xmlns:dgm="https://schemas.openxmlformats.org/drawingml/2006/diagram" xmlns:o="urn:schemas-microsoft-com:office:office" xmlns:v="urn:schemas-microsoft-com:vml" xmlns:pvml="urn:schemas-microsoft-com:office:powerpoint" xmlns:com="https://schemas.openxmlformats.org/drawingml/2006/compatibility" xmlns:p14="https://schemas.microsoft.com/office/powerpoint/2010/main" showMasterPhAnim="0" showMasterSp="0">
   <p:cSld>
     <p:spTree>
       <p:nvGrpSpPr>
@@ -5341,7 +5341,7 @@
 </file>
 
 <file path=ppt/slideLayouts/slideLayout1.xml><?xml version="1.0" encoding="utf-8"?>
-<p:sldLayout xmlns:a="http://schemas.openxmlformats.org/drawingml/2006/main" xmlns:r="http://schemas.openxmlformats.org/officeDocument/2006/relationships" xmlns:mc="http://schemas.openxmlformats.org/markup-compatibility/2006" xmlns:mv="urn:schemas-microsoft-com:mac:vml" xmlns:p="http://schemas.openxmlformats.org/presentationml/2006/main" xmlns:c="http://schemas.openxmlformats.org/drawingml/2006/chart" xmlns:dgm="http://schemas.openxmlformats.org/drawingml/2006/diagram" xmlns:o="urn:schemas-microsoft-com:office:office" xmlns:v="urn:schemas-microsoft-com:vml" xmlns:pvml="urn:schemas-microsoft-com:office:powerpoint" xmlns:com="http://schemas.openxmlformats.org/drawingml/2006/compatibility" xmlns:p14="http://schemas.microsoft.com/office/powerpoint/2010/main" type="title">
+<p:sldLayout xmlns:a="https://schemas.openxmlformats.org/drawingml/2006/main" xmlns:r="https://schemas.openxmlformats.org/officeDocument/2006/relationships" xmlns:mc="https://schemas.openxmlformats.org/markup-compatibility/2006" xmlns:mv="urn:schemas-microsoft-com:mac:vml" xmlns:p="https://schemas.openxmlformats.org/presentationml/2006/main" xmlns:c="https://schemas.openxmlformats.org/drawingml/2006/chart" xmlns:dgm="https://schemas.openxmlformats.org/drawingml/2006/diagram" xmlns:o="urn:schemas-microsoft-com:office:office" xmlns:v="urn:schemas-microsoft-com:vml" xmlns:pvml="urn:schemas-microsoft-com:office:powerpoint" xmlns:com="https://schemas.openxmlformats.org/drawingml/2006/compatibility" xmlns:p14="https://schemas.microsoft.com/office/powerpoint/2010/main" type="title">
   <p:cSld name="Title Slide">
     <p:bg>
       <p:bgPr>
@@ -5672,7 +5672,7 @@
 </file>
 
 <file path=ppt/slideLayouts/slideLayout2.xml><?xml version="1.0" encoding="utf-8"?>
-<p:sldLayout xmlns:a="http://schemas.openxmlformats.org/drawingml/2006/main" xmlns:r="http://schemas.openxmlformats.org/officeDocument/2006/relationships" xmlns:mc="http://schemas.openxmlformats.org/markup-compatibility/2006" xmlns:mv="urn:schemas-microsoft-com:mac:vml" xmlns:p="http://schemas.openxmlformats.org/presentationml/2006/main" xmlns:c="http://schemas.openxmlformats.org/drawingml/2006/chart" xmlns:dgm="http://schemas.openxmlformats.org/drawingml/2006/diagram" xmlns:o="urn:schemas-microsoft-com:office:office" xmlns:v="urn:schemas-microsoft-com:vml" xmlns:pvml="urn:schemas-microsoft-com:office:powerpoint" xmlns:com="http://schemas.openxmlformats.org/drawingml/2006/compatibility" xmlns:p14="http://schemas.microsoft.com/office/powerpoint/2010/main" type="obj">
+<p:sldLayout xmlns:a="https://schemas.openxmlformats.org/drawingml/2006/main" xmlns:r="https://schemas.openxmlformats.org/officeDocument/2006/relationships" xmlns:mc="https://schemas.openxmlformats.org/markup-compatibility/2006" xmlns:mv="urn:schemas-microsoft-com:mac:vml" xmlns:p="https://schemas.openxmlformats.org/presentationml/2006/main" xmlns:c="https://schemas.openxmlformats.org/drawingml/2006/chart" xmlns:dgm="https://schemas.openxmlformats.org/drawingml/2006/diagram" xmlns:o="urn:schemas-microsoft-com:office:office" xmlns:v="urn:schemas-microsoft-com:vml" xmlns:pvml="urn:schemas-microsoft-com:office:powerpoint" xmlns:com="https://schemas.openxmlformats.org/drawingml/2006/compatibility" xmlns:p14="https://schemas.microsoft.com/office/powerpoint/2010/main" type="obj">
   <p:cSld name="Title and Content">
     <p:spTree>
       <p:nvGrpSpPr>
@@ -6040,7 +6040,7 @@
 </file>
 
 <file path=ppt/slideLayouts/slideLayout3.xml><?xml version="1.0" encoding="utf-8"?>
-<p:sldLayout xmlns:a="http://schemas.openxmlformats.org/drawingml/2006/main" xmlns:r="http://schemas.openxmlformats.org/officeDocument/2006/relationships" xmlns:mc="http://schemas.openxmlformats.org/markup-compatibility/2006" xmlns:mv="urn:schemas-microsoft-com:mac:vml" xmlns:p="http://schemas.openxmlformats.org/presentationml/2006/main" xmlns:c="http://schemas.openxmlformats.org/drawingml/2006/chart" xmlns:dgm="http://schemas.openxmlformats.org/drawingml/2006/diagram" xmlns:o="urn:schemas-microsoft-com:office:office" xmlns:v="urn:schemas-microsoft-com:vml" xmlns:pvml="urn:schemas-microsoft-com:office:powerpoint" xmlns:com="http://schemas.openxmlformats.org/drawingml/2006/compatibility" xmlns:p14="http://schemas.microsoft.com/office/powerpoint/2010/main" type="blank">
+<p:sldLayout xmlns:a="https://schemas.openxmlformats.org/drawingml/2006/main" xmlns:r="https://schemas.openxmlformats.org/officeDocument/2006/relationships" xmlns:mc="https://schemas.openxmlformats.org/markup-compatibility/2006" xmlns:mv="urn:schemas-microsoft-com:mac:vml" xmlns:p="https://schemas.openxmlformats.org/presentationml/2006/main" xmlns:c="https://schemas.openxmlformats.org/drawingml/2006/chart" xmlns:dgm="https://schemas.openxmlformats.org/drawingml/2006/diagram" xmlns:o="urn:schemas-microsoft-com:office:office" xmlns:v="urn:schemas-microsoft-com:vml" xmlns:pvml="urn:schemas-microsoft-com:office:powerpoint" xmlns:com="https://schemas.openxmlformats.org/drawingml/2006/compatibility" xmlns:p14="https://schemas.microsoft.com/office/powerpoint/2010/main" type="blank">
   <p:cSld name="Blank with Footer">
     <p:bg>
       <p:bgPr>
@@ -6077,7 +6077,7 @@
 </file>
 
 <file path=ppt/slideLayouts/slideLayout4.xml><?xml version="1.0" encoding="utf-8"?>
-<p:sldLayout xmlns:a="http://schemas.openxmlformats.org/drawingml/2006/main" xmlns:r="http://schemas.openxmlformats.org/officeDocument/2006/relationships" xmlns:mc="http://schemas.openxmlformats.org/markup-compatibility/2006" xmlns:mv="urn:schemas-microsoft-com:mac:vml" xmlns:p="http://schemas.openxmlformats.org/presentationml/2006/main" xmlns:c="http://schemas.openxmlformats.org/drawingml/2006/chart" xmlns:dgm="http://schemas.openxmlformats.org/drawingml/2006/diagram" xmlns:o="urn:schemas-microsoft-com:office:office" xmlns:v="urn:schemas-microsoft-com:vml" xmlns:pvml="urn:schemas-microsoft-com:office:powerpoint" xmlns:com="http://schemas.openxmlformats.org/drawingml/2006/compatibility" xmlns:p14="http://schemas.microsoft.com/office/powerpoint/2010/main" type="secHead">
+<p:sldLayout xmlns:a="https://schemas.openxmlformats.org/drawingml/2006/main" xmlns:r="https://schemas.openxmlformats.org/officeDocument/2006/relationships" xmlns:mc="https://schemas.openxmlformats.org/markup-compatibility/2006" xmlns:mv="urn:schemas-microsoft-com:mac:vml" xmlns:p="https://schemas.openxmlformats.org/presentationml/2006/main" xmlns:c="https://schemas.openxmlformats.org/drawingml/2006/chart" xmlns:dgm="https://schemas.openxmlformats.org/drawingml/2006/diagram" xmlns:o="urn:schemas-microsoft-com:office:office" xmlns:v="urn:schemas-microsoft-com:vml" xmlns:pvml="urn:schemas-microsoft-com:office:powerpoint" xmlns:com="https://schemas.openxmlformats.org/drawingml/2006/compatibility" xmlns:p14="https://schemas.microsoft.com/office/powerpoint/2010/main" type="secHead">
   <p:cSld name="Section Header">
     <p:spTree>
       <p:nvGrpSpPr>
@@ -6233,7 +6233,7 @@
 </file>
 
 <file path=ppt/slideLayouts/slideLayout5.xml><?xml version="1.0" encoding="utf-8"?>
-<p:sldLayout xmlns:a="http://schemas.openxmlformats.org/drawingml/2006/main" xmlns:r="http://schemas.openxmlformats.org/officeDocument/2006/relationships" xmlns:mc="http://schemas.openxmlformats.org/markup-compatibility/2006" xmlns:mv="urn:schemas-microsoft-com:mac:vml" xmlns:p="http://schemas.openxmlformats.org/presentationml/2006/main" xmlns:c="http://schemas.openxmlformats.org/drawingml/2006/chart" xmlns:dgm="http://schemas.openxmlformats.org/drawingml/2006/diagram" xmlns:o="urn:schemas-microsoft-com:office:office" xmlns:v="urn:schemas-microsoft-com:vml" xmlns:pvml="urn:schemas-microsoft-com:office:powerpoint" xmlns:com="http://schemas.openxmlformats.org/drawingml/2006/compatibility" xmlns:p14="http://schemas.microsoft.com/office/powerpoint/2010/main" type="twoObj">
+<p:sldLayout xmlns:a="https://schemas.openxmlformats.org/drawingml/2006/main" xmlns:r="https://schemas.openxmlformats.org/officeDocument/2006/relationships" xmlns:mc="https://schemas.openxmlformats.org/markup-compatibility/2006" xmlns:mv="urn:schemas-microsoft-com:mac:vml" xmlns:p="https://schemas.openxmlformats.org/presentationml/2006/main" xmlns:c="https://schemas.openxmlformats.org/drawingml/2006/chart" xmlns:dgm="https://schemas.openxmlformats.org/drawingml/2006/diagram" xmlns:o="urn:schemas-microsoft-com:office:office" xmlns:v="urn:schemas-microsoft-com:vml" xmlns:pvml="urn:schemas-microsoft-com:office:powerpoint" xmlns:com="https://schemas.openxmlformats.org/drawingml/2006/compatibility" xmlns:p14="https://schemas.microsoft.com/office/powerpoint/2010/main" type="twoObj">
   <p:cSld name="Two Content">
     <p:spTree>
       <p:nvGrpSpPr>
@@ -6566,7 +6566,7 @@
 </file>
 
 <file path=ppt/slideLayouts/slideLayout6.xml><?xml version="1.0" encoding="utf-8"?>
-<p:sldLayout xmlns:a="http://schemas.openxmlformats.org/drawingml/2006/main" xmlns:r="http://schemas.openxmlformats.org/officeDocument/2006/relationships" xmlns:mc="http://schemas.openxmlformats.org/markup-compatibility/2006" xmlns:mv="urn:schemas-microsoft-com:mac:vml" xmlns:p="http://schemas.openxmlformats.org/presentationml/2006/main" xmlns:c="http://schemas.openxmlformats.org/drawingml/2006/chart" xmlns:dgm="http://schemas.openxmlformats.org/drawingml/2006/diagram" xmlns:o="urn:schemas-microsoft-com:office:office" xmlns:v="urn:schemas-microsoft-com:vml" xmlns:pvml="urn:schemas-microsoft-com:office:powerpoint" xmlns:com="http://schemas.openxmlformats.org/drawingml/2006/compatibility" xmlns:p14="http://schemas.microsoft.com/office/powerpoint/2010/main" type="titleOnly">
+<p:sldLayout xmlns:a="https://schemas.openxmlformats.org/drawingml/2006/main" xmlns:r="https://schemas.openxmlformats.org/officeDocument/2006/relationships" xmlns:mc="https://schemas.openxmlformats.org/markup-compatibility/2006" xmlns:mv="urn:schemas-microsoft-com:mac:vml" xmlns:p="https://schemas.openxmlformats.org/presentationml/2006/main" xmlns:c="https://schemas.openxmlformats.org/drawingml/2006/chart" xmlns:dgm="https://schemas.openxmlformats.org/drawingml/2006/diagram" xmlns:o="urn:schemas-microsoft-com:office:office" xmlns:v="urn:schemas-microsoft-com:vml" xmlns:pvml="urn:schemas-microsoft-com:office:powerpoint" xmlns:com="https://schemas.openxmlformats.org/drawingml/2006/compatibility" xmlns:p14="https://schemas.microsoft.com/office/powerpoint/2010/main" type="titleOnly">
   <p:cSld name="Title Only">
     <p:spTree>
       <p:nvGrpSpPr>
@@ -6731,7 +6731,7 @@
 </file>
 
 <file path=ppt/slideLayouts/slideLayout7.xml><?xml version="1.0" encoding="utf-8"?>
-<p:sldLayout xmlns:a="http://schemas.openxmlformats.org/drawingml/2006/main" xmlns:r="http://schemas.openxmlformats.org/officeDocument/2006/relationships" xmlns:mc="http://schemas.openxmlformats.org/markup-compatibility/2006" xmlns:mv="urn:schemas-microsoft-com:mac:vml" xmlns:p="http://schemas.openxmlformats.org/presentationml/2006/main" xmlns:c="http://schemas.openxmlformats.org/drawingml/2006/chart" xmlns:dgm="http://schemas.openxmlformats.org/drawingml/2006/diagram" xmlns:o="urn:schemas-microsoft-com:office:office" xmlns:v="urn:schemas-microsoft-com:vml" xmlns:pvml="urn:schemas-microsoft-com:office:powerpoint" xmlns:com="http://schemas.openxmlformats.org/drawingml/2006/compatibility" xmlns:p14="http://schemas.microsoft.com/office/powerpoint/2010/main">
+<p:sldLayout xmlns:a="https://schemas.openxmlformats.org/drawingml/2006/main" xmlns:r="https://schemas.openxmlformats.org/officeDocument/2006/relationships" xmlns:mc="https://schemas.openxmlformats.org/markup-compatibility/2006" xmlns:mv="urn:schemas-microsoft-com:mac:vml" xmlns:p="https://schemas.openxmlformats.org/presentationml/2006/main" xmlns:c="https://schemas.openxmlformats.org/drawingml/2006/chart" xmlns:dgm="https://schemas.openxmlformats.org/drawingml/2006/diagram" xmlns:o="urn:schemas-microsoft-com:office:office" xmlns:v="urn:schemas-microsoft-com:vml" xmlns:pvml="urn:schemas-microsoft-com:office:powerpoint" xmlns:com="https://schemas.openxmlformats.org/drawingml/2006/compatibility" xmlns:p14="https://schemas.microsoft.com/office/powerpoint/2010/main">
   <p:cSld name="Blank">
     <p:bg>
       <p:bgPr>
@@ -6768,7 +6768,7 @@
 </file>
 
 <file path=ppt/slideMasters/slideMaster1.xml><?xml version="1.0" encoding="utf-8"?>
-<p:sldMaster xmlns:a="http://schemas.openxmlformats.org/drawingml/2006/main" xmlns:r="http://schemas.openxmlformats.org/officeDocument/2006/relationships" xmlns:mc="http://schemas.openxmlformats.org/markup-compatibility/2006" xmlns:mv="urn:schemas-microsoft-com:mac:vml" xmlns:p="http://schemas.openxmlformats.org/presentationml/2006/main" xmlns:c="http://schemas.openxmlformats.org/drawingml/2006/chart" xmlns:dgm="http://schemas.openxmlformats.org/drawingml/2006/diagram" xmlns:o="urn:schemas-microsoft-com:office:office" xmlns:v="urn:schemas-microsoft-com:vml" xmlns:pvml="urn:schemas-microsoft-com:office:powerpoint" xmlns:com="http://schemas.openxmlformats.org/drawingml/2006/compatibility" xmlns:p14="http://schemas.microsoft.com/office/powerpoint/2010/main">
+<p:sldMaster xmlns:a="https://schemas.openxmlformats.org/drawingml/2006/main" xmlns:r="https://schemas.openxmlformats.org/officeDocument/2006/relationships" xmlns:mc="https://schemas.openxmlformats.org/markup-compatibility/2006" xmlns:mv="urn:schemas-microsoft-com:mac:vml" xmlns:p="https://schemas.openxmlformats.org/presentationml/2006/main" xmlns:c="https://schemas.openxmlformats.org/drawingml/2006/chart" xmlns:dgm="https://schemas.openxmlformats.org/drawingml/2006/diagram" xmlns:o="urn:schemas-microsoft-com:office:office" xmlns:v="urn:schemas-microsoft-com:vml" xmlns:pvml="urn:schemas-microsoft-com:office:powerpoint" xmlns:com="https://schemas.openxmlformats.org/drawingml/2006/compatibility" xmlns:p14="https://schemas.microsoft.com/office/powerpoint/2010/main">
   <p:cSld>
     <p:bg>
       <p:bgPr>
@@ -7661,7 +7661,7 @@
 </file>
 
 <file path=ppt/slides/slide1.xml><?xml version="1.0" encoding="utf-8"?>
-<p:sld xmlns:a="http://schemas.openxmlformats.org/drawingml/2006/main" xmlns:r="http://schemas.openxmlformats.org/officeDocument/2006/relationships" xmlns:mc="http://schemas.openxmlformats.org/markup-compatibility/2006" xmlns:mv="urn:schemas-microsoft-com:mac:vml" xmlns:p="http://schemas.openxmlformats.org/presentationml/2006/main" xmlns:c="http://schemas.openxmlformats.org/drawingml/2006/chart" xmlns:dgm="http://schemas.openxmlformats.org/drawingml/2006/diagram" xmlns:o="urn:schemas-microsoft-com:office:office" xmlns:v="urn:schemas-microsoft-com:vml" xmlns:pvml="urn:schemas-microsoft-com:office:powerpoint" xmlns:com="http://schemas.openxmlformats.org/drawingml/2006/compatibility" xmlns:p14="http://schemas.microsoft.com/office/powerpoint/2010/main">
+<p:sld xmlns:a="https://schemas.openxmlformats.org/drawingml/2006/main" xmlns:r="https://schemas.openxmlformats.org/officeDocument/2006/relationships" xmlns:mc="https://schemas.openxmlformats.org/markup-compatibility/2006" xmlns:mv="urn:schemas-microsoft-com:mac:vml" xmlns:p="https://schemas.openxmlformats.org/presentationml/2006/main" xmlns:c="https://schemas.openxmlformats.org/drawingml/2006/chart" xmlns:dgm="https://schemas.openxmlformats.org/drawingml/2006/diagram" xmlns:o="urn:schemas-microsoft-com:office:office" xmlns:v="urn:schemas-microsoft-com:vml" xmlns:pvml="urn:schemas-microsoft-com:office:powerpoint" xmlns:com="https://schemas.openxmlformats.org/drawingml/2006/compatibility" xmlns:p14="https://schemas.microsoft.com/office/powerpoint/2010/main">
   <p:cSld>
     <p:spTree>
       <p:nvGrpSpPr>
@@ -7833,7 +7833,7 @@
 </file>
 
 <file path=ppt/slides/slide10.xml><?xml version="1.0" encoding="utf-8"?>
-<p:sld xmlns:a="http://schemas.openxmlformats.org/drawingml/2006/main" xmlns:r="http://schemas.openxmlformats.org/officeDocument/2006/relationships" xmlns:mc="http://schemas.openxmlformats.org/markup-compatibility/2006" xmlns:mv="urn:schemas-microsoft-com:mac:vml" xmlns:p="http://schemas.openxmlformats.org/presentationml/2006/main" xmlns:c="http://schemas.openxmlformats.org/drawingml/2006/chart" xmlns:dgm="http://schemas.openxmlformats.org/drawingml/2006/diagram" xmlns:o="urn:schemas-microsoft-com:office:office" xmlns:v="urn:schemas-microsoft-com:vml" xmlns:pvml="urn:schemas-microsoft-com:office:powerpoint" xmlns:com="http://schemas.openxmlformats.org/drawingml/2006/compatibility" xmlns:p14="http://schemas.microsoft.com/office/powerpoint/2010/main">
+<p:sld xmlns:a="https://schemas.openxmlformats.org/drawingml/2006/main" xmlns:r="https://schemas.openxmlformats.org/officeDocument/2006/relationships" xmlns:mc="https://schemas.openxmlformats.org/markup-compatibility/2006" xmlns:mv="urn:schemas-microsoft-com:mac:vml" xmlns:p="https://schemas.openxmlformats.org/presentationml/2006/main" xmlns:c="https://schemas.openxmlformats.org/drawingml/2006/chart" xmlns:dgm="https://schemas.openxmlformats.org/drawingml/2006/diagram" xmlns:o="urn:schemas-microsoft-com:office:office" xmlns:v="urn:schemas-microsoft-com:vml" xmlns:pvml="urn:schemas-microsoft-com:office:powerpoint" xmlns:com="https://schemas.openxmlformats.org/drawingml/2006/compatibility" xmlns:p14="https://schemas.microsoft.com/office/powerpoint/2010/main">
   <p:cSld>
     <p:spTree>
       <p:nvGrpSpPr>
@@ -7933,7 +7933,7 @@
 </file>
 
 <file path=ppt/slides/slide11.xml><?xml version="1.0" encoding="utf-8"?>
-<p:sld xmlns:a="http://schemas.openxmlformats.org/drawingml/2006/main" xmlns:r="http://schemas.openxmlformats.org/officeDocument/2006/relationships" xmlns:mc="http://schemas.openxmlformats.org/markup-compatibility/2006" xmlns:mv="urn:schemas-microsoft-com:mac:vml" xmlns:p="http://schemas.openxmlformats.org/presentationml/2006/main" xmlns:c="http://schemas.openxmlformats.org/drawingml/2006/chart" xmlns:dgm="http://schemas.openxmlformats.org/drawingml/2006/diagram" xmlns:o="urn:schemas-microsoft-com:office:office" xmlns:v="urn:schemas-microsoft-com:vml" xmlns:pvml="urn:schemas-microsoft-com:office:powerpoint" xmlns:com="http://schemas.openxmlformats.org/drawingml/2006/compatibility" xmlns:p14="http://schemas.microsoft.com/office/powerpoint/2010/main">
+<p:sld xmlns:a="https://schemas.openxmlformats.org/drawingml/2006/main" xmlns:r="https://schemas.openxmlformats.org/officeDocument/2006/relationships" xmlns:mc="https://schemas.openxmlformats.org/markup-compatibility/2006" xmlns:mv="urn:schemas-microsoft-com:mac:vml" xmlns:p="https://schemas.openxmlformats.org/presentationml/2006/main" xmlns:c="https://schemas.openxmlformats.org/drawingml/2006/chart" xmlns:dgm="https://schemas.openxmlformats.org/drawingml/2006/diagram" xmlns:o="urn:schemas-microsoft-com:office:office" xmlns:v="urn:schemas-microsoft-com:vml" xmlns:pvml="urn:schemas-microsoft-com:office:powerpoint" xmlns:com="https://schemas.openxmlformats.org/drawingml/2006/compatibility" xmlns:p14="https://schemas.microsoft.com/office/powerpoint/2010/main">
   <p:cSld>
     <p:spTree>
       <p:nvGrpSpPr>
@@ -8177,7 +8177,7 @@
 </file>
 
 <file path=ppt/slides/slide12.xml><?xml version="1.0" encoding="utf-8"?>
-<p:sld xmlns:a="http://schemas.openxmlformats.org/drawingml/2006/main" xmlns:r="http://schemas.openxmlformats.org/officeDocument/2006/relationships" xmlns:mc="http://schemas.openxmlformats.org/markup-compatibility/2006" xmlns:mv="urn:schemas-microsoft-com:mac:vml" xmlns:p="http://schemas.openxmlformats.org/presentationml/2006/main" xmlns:c="http://schemas.openxmlformats.org/drawingml/2006/chart" xmlns:dgm="http://schemas.openxmlformats.org/drawingml/2006/diagram" xmlns:o="urn:schemas-microsoft-com:office:office" xmlns:v="urn:schemas-microsoft-com:vml" xmlns:pvml="urn:schemas-microsoft-com:office:powerpoint" xmlns:com="http://schemas.openxmlformats.org/drawingml/2006/compatibility" xmlns:p14="http://schemas.microsoft.com/office/powerpoint/2010/main">
+<p:sld xmlns:a="https://schemas.openxmlformats.org/drawingml/2006/main" xmlns:r="https://schemas.openxmlformats.org/officeDocument/2006/relationships" xmlns:mc="https://schemas.openxmlformats.org/markup-compatibility/2006" xmlns:mv="urn:schemas-microsoft-com:mac:vml" xmlns:p="https://schemas.openxmlformats.org/presentationml/2006/main" xmlns:c="https://schemas.openxmlformats.org/drawingml/2006/chart" xmlns:dgm="https://schemas.openxmlformats.org/drawingml/2006/diagram" xmlns:o="urn:schemas-microsoft-com:office:office" xmlns:v="urn:schemas-microsoft-com:vml" xmlns:pvml="urn:schemas-microsoft-com:office:powerpoint" xmlns:com="https://schemas.openxmlformats.org/drawingml/2006/compatibility" xmlns:p14="https://schemas.microsoft.com/office/powerpoint/2010/main">
   <p:cSld>
     <p:spTree>
       <p:nvGrpSpPr>
@@ -8282,7 +8282,7 @@
 </file>
 
 <file path=ppt/slides/slide13.xml><?xml version="1.0" encoding="utf-8"?>
-<p:sld xmlns:a="http://schemas.openxmlformats.org/drawingml/2006/main" xmlns:r="http://schemas.openxmlformats.org/officeDocument/2006/relationships" xmlns:mc="http://schemas.openxmlformats.org/markup-compatibility/2006" xmlns:mv="urn:schemas-microsoft-com:mac:vml" xmlns:p="http://schemas.openxmlformats.org/presentationml/2006/main" xmlns:c="http://schemas.openxmlformats.org/drawingml/2006/chart" xmlns:dgm="http://schemas.openxmlformats.org/drawingml/2006/diagram" xmlns:o="urn:schemas-microsoft-com:office:office" xmlns:v="urn:schemas-microsoft-com:vml" xmlns:pvml="urn:schemas-microsoft-com:office:powerpoint" xmlns:com="http://schemas.openxmlformats.org/drawingml/2006/compatibility" xmlns:p14="http://schemas.microsoft.com/office/powerpoint/2010/main">
+<p:sld xmlns:a="https://schemas.openxmlformats.org/drawingml/2006/main" xmlns:r="https://schemas.openxmlformats.org/officeDocument/2006/relationships" xmlns:mc="https://schemas.openxmlformats.org/markup-compatibility/2006" xmlns:mv="urn:schemas-microsoft-com:mac:vml" xmlns:p="https://schemas.openxmlformats.org/presentationml/2006/main" xmlns:c="https://schemas.openxmlformats.org/drawingml/2006/chart" xmlns:dgm="https://schemas.openxmlformats.org/drawingml/2006/diagram" xmlns:o="urn:schemas-microsoft-com:office:office" xmlns:v="urn:schemas-microsoft-com:vml" xmlns:pvml="urn:schemas-microsoft-com:office:powerpoint" xmlns:com="https://schemas.openxmlformats.org/drawingml/2006/compatibility" xmlns:p14="https://schemas.microsoft.com/office/powerpoint/2010/main">
   <p:cSld>
     <p:spTree>
       <p:nvGrpSpPr>
@@ -8454,7 +8454,7 @@
 </file>
 
 <file path=ppt/slides/slide14.xml><?xml version="1.0" encoding="utf-8"?>
-<p:sld xmlns:a="http://schemas.openxmlformats.org/drawingml/2006/main" xmlns:r="http://schemas.openxmlformats.org/officeDocument/2006/relationships" xmlns:mc="http://schemas.openxmlformats.org/markup-compatibility/2006" xmlns:mv="urn:schemas-microsoft-com:mac:vml" xmlns:p="http://schemas.openxmlformats.org/presentationml/2006/main" xmlns:c="http://schemas.openxmlformats.org/drawingml/2006/chart" xmlns:dgm="http://schemas.openxmlformats.org/drawingml/2006/diagram" xmlns:o="urn:schemas-microsoft-com:office:office" xmlns:v="urn:schemas-microsoft-com:vml" xmlns:pvml="urn:schemas-microsoft-com:office:powerpoint" xmlns:com="http://schemas.openxmlformats.org/drawingml/2006/compatibility" xmlns:p14="http://schemas.microsoft.com/office/powerpoint/2010/main">
+<p:sld xmlns:a="https://schemas.openxmlformats.org/drawingml/2006/main" xmlns:r="https://schemas.openxmlformats.org/officeDocument/2006/relationships" xmlns:mc="https://schemas.openxmlformats.org/markup-compatibility/2006" xmlns:mv="urn:schemas-microsoft-com:mac:vml" xmlns:p="https://schemas.openxmlformats.org/presentationml/2006/main" xmlns:c="https://schemas.openxmlformats.org/drawingml/2006/chart" xmlns:dgm="https://schemas.openxmlformats.org/drawingml/2006/diagram" xmlns:o="urn:schemas-microsoft-com:office:office" xmlns:v="urn:schemas-microsoft-com:vml" xmlns:pvml="urn:schemas-microsoft-com:office:powerpoint" xmlns:com="https://schemas.openxmlformats.org/drawingml/2006/compatibility" xmlns:p14="https://schemas.microsoft.com/office/powerpoint/2010/main">
   <p:cSld>
     <p:spTree>
       <p:nvGrpSpPr>
@@ -8957,7 +8957,7 @@
 </file>
 
 <file path=ppt/slides/slide15.xml><?xml version="1.0" encoding="utf-8"?>
-<p:sld xmlns:a="http://schemas.openxmlformats.org/drawingml/2006/main" xmlns:r="http://schemas.openxmlformats.org/officeDocument/2006/relationships" xmlns:mc="http://schemas.openxmlformats.org/markup-compatibility/2006" xmlns:mv="urn:schemas-microsoft-com:mac:vml" xmlns:p="http://schemas.openxmlformats.org/presentationml/2006/main" xmlns:c="http://schemas.openxmlformats.org/drawingml/2006/chart" xmlns:dgm="http://schemas.openxmlformats.org/drawingml/2006/diagram" xmlns:o="urn:schemas-microsoft-com:office:office" xmlns:v="urn:schemas-microsoft-com:vml" xmlns:pvml="urn:schemas-microsoft-com:office:powerpoint" xmlns:com="http://schemas.openxmlformats.org/drawingml/2006/compatibility" xmlns:p14="http://schemas.microsoft.com/office/powerpoint/2010/main">
+<p:sld xmlns:a="https://schemas.openxmlformats.org/drawingml/2006/main" xmlns:r="https://schemas.openxmlformats.org/officeDocument/2006/relationships" xmlns:mc="https://schemas.openxmlformats.org/markup-compatibility/2006" xmlns:mv="urn:schemas-microsoft-com:mac:vml" xmlns:p="https://schemas.openxmlformats.org/presentationml/2006/main" xmlns:c="https://schemas.openxmlformats.org/drawingml/2006/chart" xmlns:dgm="https://schemas.openxmlformats.org/drawingml/2006/diagram" xmlns:o="urn:schemas-microsoft-com:office:office" xmlns:v="urn:schemas-microsoft-com:vml" xmlns:pvml="urn:schemas-microsoft-com:office:powerpoint" xmlns:com="https://schemas.openxmlformats.org/drawingml/2006/compatibility" xmlns:p14="https://schemas.microsoft.com/office/powerpoint/2010/main">
   <p:cSld>
     <p:spTree>
       <p:nvGrpSpPr>
@@ -9182,7 +9182,7 @@
 </file>
 
 <file path=ppt/slides/slide16.xml><?xml version="1.0" encoding="utf-8"?>
-<p:sld xmlns:a="http://schemas.openxmlformats.org/drawingml/2006/main" xmlns:r="http://schemas.openxmlformats.org/officeDocument/2006/relationships" xmlns:mc="http://schemas.openxmlformats.org/markup-compatibility/2006" xmlns:mv="urn:schemas-microsoft-com:mac:vml" xmlns:p="http://schemas.openxmlformats.org/presentationml/2006/main" xmlns:c="http://schemas.openxmlformats.org/drawingml/2006/chart" xmlns:dgm="http://schemas.openxmlformats.org/drawingml/2006/diagram" xmlns:o="urn:schemas-microsoft-com:office:office" xmlns:v="urn:schemas-microsoft-com:vml" xmlns:pvml="urn:schemas-microsoft-com:office:powerpoint" xmlns:com="http://schemas.openxmlformats.org/drawingml/2006/compatibility" xmlns:p14="http://schemas.microsoft.com/office/powerpoint/2010/main">
+<p:sld xmlns:a="https://schemas.openxmlformats.org/drawingml/2006/main" xmlns:r="https://schemas.openxmlformats.org/officeDocument/2006/relationships" xmlns:mc="https://schemas.openxmlformats.org/markup-compatibility/2006" xmlns:mv="urn:schemas-microsoft-com:mac:vml" xmlns:p="https://schemas.openxmlformats.org/presentationml/2006/main" xmlns:c="https://schemas.openxmlformats.org/drawingml/2006/chart" xmlns:dgm="https://schemas.openxmlformats.org/drawingml/2006/diagram" xmlns:o="urn:schemas-microsoft-com:office:office" xmlns:v="urn:schemas-microsoft-com:vml" xmlns:pvml="urn:schemas-microsoft-com:office:powerpoint" xmlns:com="https://schemas.openxmlformats.org/drawingml/2006/compatibility" xmlns:p14="https://schemas.microsoft.com/office/powerpoint/2010/main">
   <p:cSld>
     <p:spTree>
       <p:nvGrpSpPr>
@@ -9716,7 +9716,7 @@
 </file>
 
 <file path=ppt/slides/slide17.xml><?xml version="1.0" encoding="utf-8"?>
-<p:sld xmlns:a="http://schemas.openxmlformats.org/drawingml/2006/main" xmlns:r="http://schemas.openxmlformats.org/officeDocument/2006/relationships" xmlns:mc="http://schemas.openxmlformats.org/markup-compatibility/2006" xmlns:mv="urn:schemas-microsoft-com:mac:vml" xmlns:p="http://schemas.openxmlformats.org/presentationml/2006/main" xmlns:c="http://schemas.openxmlformats.org/drawingml/2006/chart" xmlns:dgm="http://schemas.openxmlformats.org/drawingml/2006/diagram" xmlns:o="urn:schemas-microsoft-com:office:office" xmlns:v="urn:schemas-microsoft-com:vml" xmlns:pvml="urn:schemas-microsoft-com:office:powerpoint" xmlns:com="http://schemas.openxmlformats.org/drawingml/2006/compatibility" xmlns:p14="http://schemas.microsoft.com/office/powerpoint/2010/main">
+<p:sld xmlns:a="https://schemas.openxmlformats.org/drawingml/2006/main" xmlns:r="https://schemas.openxmlformats.org/officeDocument/2006/relationships" xmlns:mc="https://schemas.openxmlformats.org/markup-compatibility/2006" xmlns:mv="urn:schemas-microsoft-com:mac:vml" xmlns:p="https://schemas.openxmlformats.org/presentationml/2006/main" xmlns:c="https://schemas.openxmlformats.org/drawingml/2006/chart" xmlns:dgm="https://schemas.openxmlformats.org/drawingml/2006/diagram" xmlns:o="urn:schemas-microsoft-com:office:office" xmlns:v="urn:schemas-microsoft-com:vml" xmlns:pvml="urn:schemas-microsoft-com:office:powerpoint" xmlns:com="https://schemas.openxmlformats.org/drawingml/2006/compatibility" xmlns:p14="https://schemas.microsoft.com/office/powerpoint/2010/main">
   <p:cSld>
     <p:spTree>
       <p:nvGrpSpPr>
@@ -9926,7 +9926,7 @@
 </file>
 
 <file path=ppt/slides/slide18.xml><?xml version="1.0" encoding="utf-8"?>
-<p:sld xmlns:a="http://schemas.openxmlformats.org/drawingml/2006/main" xmlns:r="http://schemas.openxmlformats.org/officeDocument/2006/relationships" xmlns:mc="http://schemas.openxmlformats.org/markup-compatibility/2006" xmlns:mv="urn:schemas-microsoft-com:mac:vml" xmlns:p="http://schemas.openxmlformats.org/presentationml/2006/main" xmlns:c="http://schemas.openxmlformats.org/drawingml/2006/chart" xmlns:dgm="http://schemas.openxmlformats.org/drawingml/2006/diagram" xmlns:o="urn:schemas-microsoft-com:office:office" xmlns:v="urn:schemas-microsoft-com:vml" xmlns:pvml="urn:schemas-microsoft-com:office:powerpoint" xmlns:com="http://schemas.openxmlformats.org/drawingml/2006/compatibility" xmlns:p14="http://schemas.microsoft.com/office/powerpoint/2010/main">
+<p:sld xmlns:a="https://schemas.openxmlformats.org/drawingml/2006/main" xmlns:r="https://schemas.openxmlformats.org/officeDocument/2006/relationships" xmlns:mc="https://schemas.openxmlformats.org/markup-compatibility/2006" xmlns:mv="urn:schemas-microsoft-com:mac:vml" xmlns:p="https://schemas.openxmlformats.org/presentationml/2006/main" xmlns:c="https://schemas.openxmlformats.org/drawingml/2006/chart" xmlns:dgm="https://schemas.openxmlformats.org/drawingml/2006/diagram" xmlns:o="urn:schemas-microsoft-com:office:office" xmlns:v="urn:schemas-microsoft-com:vml" xmlns:pvml="urn:schemas-microsoft-com:office:powerpoint" xmlns:com="https://schemas.openxmlformats.org/drawingml/2006/compatibility" xmlns:p14="https://schemas.microsoft.com/office/powerpoint/2010/main">
   <p:cSld>
     <p:spTree>
       <p:nvGrpSpPr>
@@ -10031,7 +10031,7 @@
 </file>
 
 <file path=ppt/slides/slide19.xml><?xml version="1.0" encoding="utf-8"?>
-<p:sld xmlns:a="http://schemas.openxmlformats.org/drawingml/2006/main" xmlns:r="http://schemas.openxmlformats.org/officeDocument/2006/relationships" xmlns:mc="http://schemas.openxmlformats.org/markup-compatibility/2006" xmlns:mv="urn:schemas-microsoft-com:mac:vml" xmlns:p="http://schemas.openxmlformats.org/presentationml/2006/main" xmlns:c="http://schemas.openxmlformats.org/drawingml/2006/chart" xmlns:dgm="http://schemas.openxmlformats.org/drawingml/2006/diagram" xmlns:o="urn:schemas-microsoft-com:office:office" xmlns:v="urn:schemas-microsoft-com:vml" xmlns:pvml="urn:schemas-microsoft-com:office:powerpoint" xmlns:com="http://schemas.openxmlformats.org/drawingml/2006/compatibility" xmlns:p14="http://schemas.microsoft.com/office/powerpoint/2010/main">
+<p:sld xmlns:a="https://schemas.openxmlformats.org/drawingml/2006/main" xmlns:r="https://schemas.openxmlformats.org/officeDocument/2006/relationships" xmlns:mc="https://schemas.openxmlformats.org/markup-compatibility/2006" xmlns:mv="urn:schemas-microsoft-com:mac:vml" xmlns:p="https://schemas.openxmlformats.org/presentationml/2006/main" xmlns:c="https://schemas.openxmlformats.org/drawingml/2006/chart" xmlns:dgm="https://schemas.openxmlformats.org/drawingml/2006/diagram" xmlns:o="urn:schemas-microsoft-com:office:office" xmlns:v="urn:schemas-microsoft-com:vml" xmlns:pvml="urn:schemas-microsoft-com:office:powerpoint" xmlns:com="https://schemas.openxmlformats.org/drawingml/2006/compatibility" xmlns:p14="https://schemas.microsoft.com/office/powerpoint/2010/main">
   <p:cSld>
     <p:spTree>
       <p:nvGrpSpPr>
@@ -10190,7 +10190,7 @@
 </file>
 
 <file path=ppt/slides/slide2.xml><?xml version="1.0" encoding="utf-8"?>
-<p:sld xmlns:a="http://schemas.openxmlformats.org/drawingml/2006/main" xmlns:r="http://schemas.openxmlformats.org/officeDocument/2006/relationships" xmlns:mc="http://schemas.openxmlformats.org/markup-compatibility/2006" xmlns:mv="urn:schemas-microsoft-com:mac:vml" xmlns:p="http://schemas.openxmlformats.org/presentationml/2006/main" xmlns:c="http://schemas.openxmlformats.org/drawingml/2006/chart" xmlns:dgm="http://schemas.openxmlformats.org/drawingml/2006/diagram" xmlns:o="urn:schemas-microsoft-com:office:office" xmlns:v="urn:schemas-microsoft-com:vml" xmlns:pvml="urn:schemas-microsoft-com:office:powerpoint" xmlns:com="http://schemas.openxmlformats.org/drawingml/2006/compatibility" xmlns:p14="http://schemas.microsoft.com/office/powerpoint/2010/main">
+<p:sld xmlns:a="https://schemas.openxmlformats.org/drawingml/2006/main" xmlns:r="https://schemas.openxmlformats.org/officeDocument/2006/relationships" xmlns:mc="https://schemas.openxmlformats.org/markup-compatibility/2006" xmlns:mv="urn:schemas-microsoft-com:mac:vml" xmlns:p="https://schemas.openxmlformats.org/presentationml/2006/main" xmlns:c="https://schemas.openxmlformats.org/drawingml/2006/chart" xmlns:dgm="https://schemas.openxmlformats.org/drawingml/2006/diagram" xmlns:o="urn:schemas-microsoft-com:office:office" xmlns:v="urn:schemas-microsoft-com:vml" xmlns:pvml="urn:schemas-microsoft-com:office:powerpoint" xmlns:com="https://schemas.openxmlformats.org/drawingml/2006/compatibility" xmlns:p14="https://schemas.microsoft.com/office/powerpoint/2010/main">
   <p:cSld>
     <p:spTree>
       <p:nvGrpSpPr>
@@ -10391,7 +10391,7 @@
 </file>
 
 <file path=ppt/slides/slide20.xml><?xml version="1.0" encoding="utf-8"?>
-<p:sld xmlns:a="http://schemas.openxmlformats.org/drawingml/2006/main" xmlns:r="http://schemas.openxmlformats.org/officeDocument/2006/relationships" xmlns:mc="http://schemas.openxmlformats.org/markup-compatibility/2006" xmlns:mv="urn:schemas-microsoft-com:mac:vml" xmlns:p="http://schemas.openxmlformats.org/presentationml/2006/main" xmlns:c="http://schemas.openxmlformats.org/drawingml/2006/chart" xmlns:dgm="http://schemas.openxmlformats.org/drawingml/2006/diagram" xmlns:o="urn:schemas-microsoft-com:office:office" xmlns:v="urn:schemas-microsoft-com:vml" xmlns:pvml="urn:schemas-microsoft-com:office:powerpoint" xmlns:com="http://schemas.openxmlformats.org/drawingml/2006/compatibility" xmlns:p14="http://schemas.microsoft.com/office/powerpoint/2010/main">
+<p:sld xmlns:a="https://schemas.openxmlformats.org/drawingml/2006/main" xmlns:r="https://schemas.openxmlformats.org/officeDocument/2006/relationships" xmlns:mc="https://schemas.openxmlformats.org/markup-compatibility/2006" xmlns:mv="urn:schemas-microsoft-com:mac:vml" xmlns:p="https://schemas.openxmlformats.org/presentationml/2006/main" xmlns:c="https://schemas.openxmlformats.org/drawingml/2006/chart" xmlns:dgm="https://schemas.openxmlformats.org/drawingml/2006/diagram" xmlns:o="urn:schemas-microsoft-com:office:office" xmlns:v="urn:schemas-microsoft-com:vml" xmlns:pvml="urn:schemas-microsoft-com:office:powerpoint" xmlns:com="https://schemas.openxmlformats.org/drawingml/2006/compatibility" xmlns:p14="https://schemas.microsoft.com/office/powerpoint/2010/main">
   <p:cSld>
     <p:spTree>
       <p:nvGrpSpPr>
@@ -10871,7 +10871,7 @@
 </file>
 
 <file path=ppt/slides/slide21.xml><?xml version="1.0" encoding="utf-8"?>
-<p:sld xmlns:a="http://schemas.openxmlformats.org/drawingml/2006/main" xmlns:r="http://schemas.openxmlformats.org/officeDocument/2006/relationships" xmlns:mc="http://schemas.openxmlformats.org/markup-compatibility/2006" xmlns:mv="urn:schemas-microsoft-com:mac:vml" xmlns:p="http://schemas.openxmlformats.org/presentationml/2006/main" xmlns:c="http://schemas.openxmlformats.org/drawingml/2006/chart" xmlns:dgm="http://schemas.openxmlformats.org/drawingml/2006/diagram" xmlns:o="urn:schemas-microsoft-com:office:office" xmlns:v="urn:schemas-microsoft-com:vml" xmlns:pvml="urn:schemas-microsoft-com:office:powerpoint" xmlns:com="http://schemas.openxmlformats.org/drawingml/2006/compatibility" xmlns:p14="http://schemas.microsoft.com/office/powerpoint/2010/main">
+<p:sld xmlns:a="https://schemas.openxmlformats.org/drawingml/2006/main" xmlns:r="https://schemas.openxmlformats.org/officeDocument/2006/relationships" xmlns:mc="https://schemas.openxmlformats.org/markup-compatibility/2006" xmlns:mv="urn:schemas-microsoft-com:mac:vml" xmlns:p="https://schemas.openxmlformats.org/presentationml/2006/main" xmlns:c="https://schemas.openxmlformats.org/drawingml/2006/chart" xmlns:dgm="https://schemas.openxmlformats.org/drawingml/2006/diagram" xmlns:o="urn:schemas-microsoft-com:office:office" xmlns:v="urn:schemas-microsoft-com:vml" xmlns:pvml="urn:schemas-microsoft-com:office:powerpoint" xmlns:com="https://schemas.openxmlformats.org/drawingml/2006/compatibility" xmlns:p14="https://schemas.microsoft.com/office/powerpoint/2010/main">
   <p:cSld>
     <p:spTree>
       <p:nvGrpSpPr>
@@ -11367,7 +11367,7 @@
 </file>
 
 <file path=ppt/slides/slide22.xml><?xml version="1.0" encoding="utf-8"?>
-<p:sld xmlns:a="http://schemas.openxmlformats.org/drawingml/2006/main" xmlns:r="http://schemas.openxmlformats.org/officeDocument/2006/relationships" xmlns:mc="http://schemas.openxmlformats.org/markup-compatibility/2006" xmlns:mv="urn:schemas-microsoft-com:mac:vml" xmlns:p="http://schemas.openxmlformats.org/presentationml/2006/main" xmlns:c="http://schemas.openxmlformats.org/drawingml/2006/chart" xmlns:dgm="http://schemas.openxmlformats.org/drawingml/2006/diagram" xmlns:o="urn:schemas-microsoft-com:office:office" xmlns:v="urn:schemas-microsoft-com:vml" xmlns:pvml="urn:schemas-microsoft-com:office:powerpoint" xmlns:com="http://schemas.openxmlformats.org/drawingml/2006/compatibility" xmlns:p14="http://schemas.microsoft.com/office/powerpoint/2010/main">
+<p:sld xmlns:a="https://schemas.openxmlformats.org/drawingml/2006/main" xmlns:r="https://schemas.openxmlformats.org/officeDocument/2006/relationships" xmlns:mc="https://schemas.openxmlformats.org/markup-compatibility/2006" xmlns:mv="urn:schemas-microsoft-com:mac:vml" xmlns:p="https://schemas.openxmlformats.org/presentationml/2006/main" xmlns:c="https://schemas.openxmlformats.org/drawingml/2006/chart" xmlns:dgm="https://schemas.openxmlformats.org/drawingml/2006/diagram" xmlns:o="urn:schemas-microsoft-com:office:office" xmlns:v="urn:schemas-microsoft-com:vml" xmlns:pvml="urn:schemas-microsoft-com:office:powerpoint" xmlns:com="https://schemas.openxmlformats.org/drawingml/2006/compatibility" xmlns:p14="https://schemas.microsoft.com/office/powerpoint/2010/main">
   <p:cSld>
     <p:spTree>
       <p:nvGrpSpPr>
@@ -11472,7 +11472,7 @@
 </file>
 
 <file path=ppt/slides/slide23.xml><?xml version="1.0" encoding="utf-8"?>
-<p:sld xmlns:a="http://schemas.openxmlformats.org/drawingml/2006/main" xmlns:r="http://schemas.openxmlformats.org/officeDocument/2006/relationships" xmlns:mc="http://schemas.openxmlformats.org/markup-compatibility/2006" xmlns:mv="urn:schemas-microsoft-com:mac:vml" xmlns:p="http://schemas.openxmlformats.org/presentationml/2006/main" xmlns:c="http://schemas.openxmlformats.org/drawingml/2006/chart" xmlns:dgm="http://schemas.openxmlformats.org/drawingml/2006/diagram" xmlns:o="urn:schemas-microsoft-com:office:office" xmlns:v="urn:schemas-microsoft-com:vml" xmlns:pvml="urn:schemas-microsoft-com:office:powerpoint" xmlns:com="http://schemas.openxmlformats.org/drawingml/2006/compatibility" xmlns:p14="http://schemas.microsoft.com/office/powerpoint/2010/main">
+<p:sld xmlns:a="https://schemas.openxmlformats.org/drawingml/2006/main" xmlns:r="https://schemas.openxmlformats.org/officeDocument/2006/relationships" xmlns:mc="https://schemas.openxmlformats.org/markup-compatibility/2006" xmlns:mv="urn:schemas-microsoft-com:mac:vml" xmlns:p="https://schemas.openxmlformats.org/presentationml/2006/main" xmlns:c="https://schemas.openxmlformats.org/drawingml/2006/chart" xmlns:dgm="https://schemas.openxmlformats.org/drawingml/2006/diagram" xmlns:o="urn:schemas-microsoft-com:office:office" xmlns:v="urn:schemas-microsoft-com:vml" xmlns:pvml="urn:schemas-microsoft-com:office:powerpoint" xmlns:com="https://schemas.openxmlformats.org/drawingml/2006/compatibility" xmlns:p14="https://schemas.microsoft.com/office/powerpoint/2010/main">
   <p:cSld>
     <p:spTree>
       <p:nvGrpSpPr>
@@ -11687,7 +11687,7 @@
 </file>
 
 <file path=ppt/slides/slide24.xml><?xml version="1.0" encoding="utf-8"?>
-<p:sld xmlns:a="http://schemas.openxmlformats.org/drawingml/2006/main" xmlns:r="http://schemas.openxmlformats.org/officeDocument/2006/relationships" xmlns:mc="http://schemas.openxmlformats.org/markup-compatibility/2006" xmlns:mv="urn:schemas-microsoft-com:mac:vml" xmlns:p="http://schemas.openxmlformats.org/presentationml/2006/main" xmlns:c="http://schemas.openxmlformats.org/drawingml/2006/chart" xmlns:dgm="http://schemas.openxmlformats.org/drawingml/2006/diagram" xmlns:o="urn:schemas-microsoft-com:office:office" xmlns:v="urn:schemas-microsoft-com:vml" xmlns:pvml="urn:schemas-microsoft-com:office:powerpoint" xmlns:com="http://schemas.openxmlformats.org/drawingml/2006/compatibility" xmlns:p14="http://schemas.microsoft.com/office/powerpoint/2010/main">
+<p:sld xmlns:a="https://schemas.openxmlformats.org/drawingml/2006/main" xmlns:r="https://schemas.openxmlformats.org/officeDocument/2006/relationships" xmlns:mc="https://schemas.openxmlformats.org/markup-compatibility/2006" xmlns:mv="urn:schemas-microsoft-com:mac:vml" xmlns:p="https://schemas.openxmlformats.org/presentationml/2006/main" xmlns:c="https://schemas.openxmlformats.org/drawingml/2006/chart" xmlns:dgm="https://schemas.openxmlformats.org/drawingml/2006/diagram" xmlns:o="urn:schemas-microsoft-com:office:office" xmlns:v="urn:schemas-microsoft-com:vml" xmlns:pvml="urn:schemas-microsoft-com:office:powerpoint" xmlns:com="https://schemas.openxmlformats.org/drawingml/2006/compatibility" xmlns:p14="https://schemas.microsoft.com/office/powerpoint/2010/main">
   <p:cSld>
     <p:spTree>
       <p:nvGrpSpPr>
@@ -11792,7 +11792,7 @@
 </file>
 
 <file path=ppt/slides/slide25.xml><?xml version="1.0" encoding="utf-8"?>
-<p:sld xmlns:a="http://schemas.openxmlformats.org/drawingml/2006/main" xmlns:r="http://schemas.openxmlformats.org/officeDocument/2006/relationships" xmlns:mc="http://schemas.openxmlformats.org/markup-compatibility/2006" xmlns:mv="urn:schemas-microsoft-com:mac:vml" xmlns:p="http://schemas.openxmlformats.org/presentationml/2006/main" xmlns:c="http://schemas.openxmlformats.org/drawingml/2006/chart" xmlns:dgm="http://schemas.openxmlformats.org/drawingml/2006/diagram" xmlns:o="urn:schemas-microsoft-com:office:office" xmlns:v="urn:schemas-microsoft-com:vml" xmlns:pvml="urn:schemas-microsoft-com:office:powerpoint" xmlns:com="http://schemas.openxmlformats.org/drawingml/2006/compatibility" xmlns:p14="http://schemas.microsoft.com/office/powerpoint/2010/main">
+<p:sld xmlns:a="https://schemas.openxmlformats.org/drawingml/2006/main" xmlns:r="https://schemas.openxmlformats.org/officeDocument/2006/relationships" xmlns:mc="https://schemas.openxmlformats.org/markup-compatibility/2006" xmlns:mv="urn:schemas-microsoft-com:mac:vml" xmlns:p="https://schemas.openxmlformats.org/presentationml/2006/main" xmlns:c="https://schemas.openxmlformats.org/drawingml/2006/chart" xmlns:dgm="https://schemas.openxmlformats.org/drawingml/2006/diagram" xmlns:o="urn:schemas-microsoft-com:office:office" xmlns:v="urn:schemas-microsoft-com:vml" xmlns:pvml="urn:schemas-microsoft-com:office:powerpoint" xmlns:com="https://schemas.openxmlformats.org/drawingml/2006/compatibility" xmlns:p14="https://schemas.microsoft.com/office/powerpoint/2010/main">
   <p:cSld>
     <p:spTree>
       <p:nvGrpSpPr>
@@ -12001,7 +12001,7 @@
 </file>
 
 <file path=ppt/slides/slide26.xml><?xml version="1.0" encoding="utf-8"?>
-<p:sld xmlns:a="http://schemas.openxmlformats.org/drawingml/2006/main" xmlns:r="http://schemas.openxmlformats.org/officeDocument/2006/relationships" xmlns:mc="http://schemas.openxmlformats.org/markup-compatibility/2006" xmlns:mv="urn:schemas-microsoft-com:mac:vml" xmlns:p="http://schemas.openxmlformats.org/presentationml/2006/main" xmlns:c="http://schemas.openxmlformats.org/drawingml/2006/chart" xmlns:dgm="http://schemas.openxmlformats.org/drawingml/2006/diagram" xmlns:o="urn:schemas-microsoft-com:office:office" xmlns:v="urn:schemas-microsoft-com:vml" xmlns:pvml="urn:schemas-microsoft-com:office:powerpoint" xmlns:com="http://schemas.openxmlformats.org/drawingml/2006/compatibility" xmlns:p14="http://schemas.microsoft.com/office/powerpoint/2010/main">
+<p:sld xmlns:a="https://schemas.openxmlformats.org/drawingml/2006/main" xmlns:r="https://schemas.openxmlformats.org/officeDocument/2006/relationships" xmlns:mc="https://schemas.openxmlformats.org/markup-compatibility/2006" xmlns:mv="urn:schemas-microsoft-com:mac:vml" xmlns:p="https://schemas.openxmlformats.org/presentationml/2006/main" xmlns:c="https://schemas.openxmlformats.org/drawingml/2006/chart" xmlns:dgm="https://schemas.openxmlformats.org/drawingml/2006/diagram" xmlns:o="urn:schemas-microsoft-com:office:office" xmlns:v="urn:schemas-microsoft-com:vml" xmlns:pvml="urn:schemas-microsoft-com:office:powerpoint" xmlns:com="https://schemas.openxmlformats.org/drawingml/2006/compatibility" xmlns:p14="https://schemas.microsoft.com/office/powerpoint/2010/main">
   <p:cSld>
     <p:spTree>
       <p:nvGrpSpPr>
@@ -12101,7 +12101,7 @@
 </file>
 
 <file path=ppt/slides/slide27.xml><?xml version="1.0" encoding="utf-8"?>
-<p:sld xmlns:a="http://schemas.openxmlformats.org/drawingml/2006/main" xmlns:r="http://schemas.openxmlformats.org/officeDocument/2006/relationships" xmlns:mc="http://schemas.openxmlformats.org/markup-compatibility/2006" xmlns:mv="urn:schemas-microsoft-com:mac:vml" xmlns:p="http://schemas.openxmlformats.org/presentationml/2006/main" xmlns:c="http://schemas.openxmlformats.org/drawingml/2006/chart" xmlns:dgm="http://schemas.openxmlformats.org/drawingml/2006/diagram" xmlns:o="urn:schemas-microsoft-com:office:office" xmlns:v="urn:schemas-microsoft-com:vml" xmlns:pvml="urn:schemas-microsoft-com:office:powerpoint" xmlns:com="http://schemas.openxmlformats.org/drawingml/2006/compatibility" xmlns:p14="http://schemas.microsoft.com/office/powerpoint/2010/main">
+<p:sld xmlns:a="https://schemas.openxmlformats.org/drawingml/2006/main" xmlns:r="https://schemas.openxmlformats.org/officeDocument/2006/relationships" xmlns:mc="https://schemas.openxmlformats.org/markup-compatibility/2006" xmlns:mv="urn:schemas-microsoft-com:mac:vml" xmlns:p="https://schemas.openxmlformats.org/presentationml/2006/main" xmlns:c="https://schemas.openxmlformats.org/drawingml/2006/chart" xmlns:dgm="https://schemas.openxmlformats.org/drawingml/2006/diagram" xmlns:o="urn:schemas-microsoft-com:office:office" xmlns:v="urn:schemas-microsoft-com:vml" xmlns:pvml="urn:schemas-microsoft-com:office:powerpoint" xmlns:com="https://schemas.openxmlformats.org/drawingml/2006/compatibility" xmlns:p14="https://schemas.microsoft.com/office/powerpoint/2010/main">
   <p:cSld>
     <p:spTree>
       <p:nvGrpSpPr>
@@ -12316,7 +12316,7 @@
 </file>
 
 <file path=ppt/slides/slide28.xml><?xml version="1.0" encoding="utf-8"?>
-<p:sld xmlns:a="http://schemas.openxmlformats.org/drawingml/2006/main" xmlns:r="http://schemas.openxmlformats.org/officeDocument/2006/relationships" xmlns:mc="http://schemas.openxmlformats.org/markup-compatibility/2006" xmlns:mv="urn:schemas-microsoft-com:mac:vml" xmlns:p="http://schemas.openxmlformats.org/presentationml/2006/main" xmlns:c="http://schemas.openxmlformats.org/drawingml/2006/chart" xmlns:dgm="http://schemas.openxmlformats.org/drawingml/2006/diagram" xmlns:o="urn:schemas-microsoft-com:office:office" xmlns:v="urn:schemas-microsoft-com:vml" xmlns:pvml="urn:schemas-microsoft-com:office:powerpoint" xmlns:com="http://schemas.openxmlformats.org/drawingml/2006/compatibility" xmlns:p14="http://schemas.microsoft.com/office/powerpoint/2010/main">
+<p:sld xmlns:a="https://schemas.openxmlformats.org/drawingml/2006/main" xmlns:r="https://schemas.openxmlformats.org/officeDocument/2006/relationships" xmlns:mc="https://schemas.openxmlformats.org/markup-compatibility/2006" xmlns:mv="urn:schemas-microsoft-com:mac:vml" xmlns:p="https://schemas.openxmlformats.org/presentationml/2006/main" xmlns:c="https://schemas.openxmlformats.org/drawingml/2006/chart" xmlns:dgm="https://schemas.openxmlformats.org/drawingml/2006/diagram" xmlns:o="urn:schemas-microsoft-com:office:office" xmlns:v="urn:schemas-microsoft-com:vml" xmlns:pvml="urn:schemas-microsoft-com:office:powerpoint" xmlns:com="https://schemas.openxmlformats.org/drawingml/2006/compatibility" xmlns:p14="https://schemas.microsoft.com/office/powerpoint/2010/main">
   <p:cSld>
     <p:spTree>
       <p:nvGrpSpPr>
@@ -12490,7 +12490,7 @@
 </file>
 
 <file path=ppt/slides/slide29.xml><?xml version="1.0" encoding="utf-8"?>
-<p:sld xmlns:a="http://schemas.openxmlformats.org/drawingml/2006/main" xmlns:r="http://schemas.openxmlformats.org/officeDocument/2006/relationships" xmlns:mc="http://schemas.openxmlformats.org/markup-compatibility/2006" xmlns:mv="urn:schemas-microsoft-com:mac:vml" xmlns:p="http://schemas.openxmlformats.org/presentationml/2006/main" xmlns:c="http://schemas.openxmlformats.org/drawingml/2006/chart" xmlns:dgm="http://schemas.openxmlformats.org/drawingml/2006/diagram" xmlns:o="urn:schemas-microsoft-com:office:office" xmlns:v="urn:schemas-microsoft-com:vml" xmlns:pvml="urn:schemas-microsoft-com:office:powerpoint" xmlns:com="http://schemas.openxmlformats.org/drawingml/2006/compatibility" xmlns:p14="http://schemas.microsoft.com/office/powerpoint/2010/main">
+<p:sld xmlns:a="https://schemas.openxmlformats.org/drawingml/2006/main" xmlns:r="https://schemas.openxmlformats.org/officeDocument/2006/relationships" xmlns:mc="https://schemas.openxmlformats.org/markup-compatibility/2006" xmlns:mv="urn:schemas-microsoft-com:mac:vml" xmlns:p="https://schemas.openxmlformats.org/presentationml/2006/main" xmlns:c="https://schemas.openxmlformats.org/drawingml/2006/chart" xmlns:dgm="https://schemas.openxmlformats.org/drawingml/2006/diagram" xmlns:o="urn:schemas-microsoft-com:office:office" xmlns:v="urn:schemas-microsoft-com:vml" xmlns:pvml="urn:schemas-microsoft-com:office:powerpoint" xmlns:com="https://schemas.openxmlformats.org/drawingml/2006/compatibility" xmlns:p14="https://schemas.microsoft.com/office/powerpoint/2010/main">
   <p:cSld>
     <p:spTree>
       <p:nvGrpSpPr>
@@ -12714,7 +12714,7 @@
 </file>
 
 <file path=ppt/slides/slide3.xml><?xml version="1.0" encoding="utf-8"?>
-<p:sld xmlns:a="http://schemas.openxmlformats.org/drawingml/2006/main" xmlns:r="http://schemas.openxmlformats.org/officeDocument/2006/relationships" xmlns:mc="http://schemas.openxmlformats.org/markup-compatibility/2006" xmlns:mv="urn:schemas-microsoft-com:mac:vml" xmlns:p="http://schemas.openxmlformats.org/presentationml/2006/main" xmlns:c="http://schemas.openxmlformats.org/drawingml/2006/chart" xmlns:dgm="http://schemas.openxmlformats.org/drawingml/2006/diagram" xmlns:o="urn:schemas-microsoft-com:office:office" xmlns:v="urn:schemas-microsoft-com:vml" xmlns:pvml="urn:schemas-microsoft-com:office:powerpoint" xmlns:com="http://schemas.openxmlformats.org/drawingml/2006/compatibility" xmlns:p14="http://schemas.microsoft.com/office/powerpoint/2010/main">
+<p:sld xmlns:a="https://schemas.openxmlformats.org/drawingml/2006/main" xmlns:r="https://schemas.openxmlformats.org/officeDocument/2006/relationships" xmlns:mc="https://schemas.openxmlformats.org/markup-compatibility/2006" xmlns:mv="urn:schemas-microsoft-com:mac:vml" xmlns:p="https://schemas.openxmlformats.org/presentationml/2006/main" xmlns:c="https://schemas.openxmlformats.org/drawingml/2006/chart" xmlns:dgm="https://schemas.openxmlformats.org/drawingml/2006/diagram" xmlns:o="urn:schemas-microsoft-com:office:office" xmlns:v="urn:schemas-microsoft-com:vml" xmlns:pvml="urn:schemas-microsoft-com:office:powerpoint" xmlns:com="https://schemas.openxmlformats.org/drawingml/2006/compatibility" xmlns:p14="https://schemas.microsoft.com/office/powerpoint/2010/main">
   <p:cSld>
     <p:spTree>
       <p:nvGrpSpPr>
@@ -12895,7 +12895,7 @@
 </file>
 
 <file path=ppt/slides/slide30.xml><?xml version="1.0" encoding="utf-8"?>
-<p:sld xmlns:a="http://schemas.openxmlformats.org/drawingml/2006/main" xmlns:r="http://schemas.openxmlformats.org/officeDocument/2006/relationships" xmlns:mc="http://schemas.openxmlformats.org/markup-compatibility/2006" xmlns:mv="urn:schemas-microsoft-com:mac:vml" xmlns:p="http://schemas.openxmlformats.org/presentationml/2006/main" xmlns:c="http://schemas.openxmlformats.org/drawingml/2006/chart" xmlns:dgm="http://schemas.openxmlformats.org/drawingml/2006/diagram" xmlns:o="urn:schemas-microsoft-com:office:office" xmlns:v="urn:schemas-microsoft-com:vml" xmlns:pvml="urn:schemas-microsoft-com:office:powerpoint" xmlns:com="http://schemas.openxmlformats.org/drawingml/2006/compatibility" xmlns:p14="http://schemas.microsoft.com/office/powerpoint/2010/main">
+<p:sld xmlns:a="https://schemas.openxmlformats.org/drawingml/2006/main" xmlns:r="https://schemas.openxmlformats.org/officeDocument/2006/relationships" xmlns:mc="https://schemas.openxmlformats.org/markup-compatibility/2006" xmlns:mv="urn:schemas-microsoft-com:mac:vml" xmlns:p="https://schemas.openxmlformats.org/presentationml/2006/main" xmlns:c="https://schemas.openxmlformats.org/drawingml/2006/chart" xmlns:dgm="https://schemas.openxmlformats.org/drawingml/2006/diagram" xmlns:o="urn:schemas-microsoft-com:office:office" xmlns:v="urn:schemas-microsoft-com:vml" xmlns:pvml="urn:schemas-microsoft-com:office:powerpoint" xmlns:com="https://schemas.openxmlformats.org/drawingml/2006/compatibility" xmlns:p14="https://schemas.microsoft.com/office/powerpoint/2010/main">
   <p:cSld>
     <p:spTree>
       <p:nvGrpSpPr>
@@ -13060,7 +13060,7 @@
 </file>
 
 <file path=ppt/slides/slide4.xml><?xml version="1.0" encoding="utf-8"?>
-<p:sld xmlns:a="http://schemas.openxmlformats.org/drawingml/2006/main" xmlns:r="http://schemas.openxmlformats.org/officeDocument/2006/relationships" xmlns:mc="http://schemas.openxmlformats.org/markup-compatibility/2006" xmlns:mv="urn:schemas-microsoft-com:mac:vml" xmlns:p="http://schemas.openxmlformats.org/presentationml/2006/main" xmlns:c="http://schemas.openxmlformats.org/drawingml/2006/chart" xmlns:dgm="http://schemas.openxmlformats.org/drawingml/2006/diagram" xmlns:o="urn:schemas-microsoft-com:office:office" xmlns:v="urn:schemas-microsoft-com:vml" xmlns:pvml="urn:schemas-microsoft-com:office:powerpoint" xmlns:com="http://schemas.openxmlformats.org/drawingml/2006/compatibility" xmlns:p14="http://schemas.microsoft.com/office/powerpoint/2010/main">
+<p:sld xmlns:a="https://schemas.openxmlformats.org/drawingml/2006/main" xmlns:r="https://schemas.openxmlformats.org/officeDocument/2006/relationships" xmlns:mc="https://schemas.openxmlformats.org/markup-compatibility/2006" xmlns:mv="urn:schemas-microsoft-com:mac:vml" xmlns:p="https://schemas.openxmlformats.org/presentationml/2006/main" xmlns:c="https://schemas.openxmlformats.org/drawingml/2006/chart" xmlns:dgm="https://schemas.openxmlformats.org/drawingml/2006/diagram" xmlns:o="urn:schemas-microsoft-com:office:office" xmlns:v="urn:schemas-microsoft-com:vml" xmlns:pvml="urn:schemas-microsoft-com:office:powerpoint" xmlns:com="https://schemas.openxmlformats.org/drawingml/2006/compatibility" xmlns:p14="https://schemas.microsoft.com/office/powerpoint/2010/main">
   <p:cSld>
     <p:spTree>
       <p:nvGrpSpPr>
@@ -13270,7 +13270,7 @@
 </file>
 
 <file path=ppt/slides/slide5.xml><?xml version="1.0" encoding="utf-8"?>
-<p:sld xmlns:a="http://schemas.openxmlformats.org/drawingml/2006/main" xmlns:r="http://schemas.openxmlformats.org/officeDocument/2006/relationships" xmlns:mc="http://schemas.openxmlformats.org/markup-compatibility/2006" xmlns:mv="urn:schemas-microsoft-com:mac:vml" xmlns:p="http://schemas.openxmlformats.org/presentationml/2006/main" xmlns:c="http://schemas.openxmlformats.org/drawingml/2006/chart" xmlns:dgm="http://schemas.openxmlformats.org/drawingml/2006/diagram" xmlns:o="urn:schemas-microsoft-com:office:office" xmlns:v="urn:schemas-microsoft-com:vml" xmlns:pvml="urn:schemas-microsoft-com:office:powerpoint" xmlns:com="http://schemas.openxmlformats.org/drawingml/2006/compatibility" xmlns:p14="http://schemas.microsoft.com/office/powerpoint/2010/main">
+<p:sld xmlns:a="https://schemas.openxmlformats.org/drawingml/2006/main" xmlns:r="https://schemas.openxmlformats.org/officeDocument/2006/relationships" xmlns:mc="https://schemas.openxmlformats.org/markup-compatibility/2006" xmlns:mv="urn:schemas-microsoft-com:mac:vml" xmlns:p="https://schemas.openxmlformats.org/presentationml/2006/main" xmlns:c="https://schemas.openxmlformats.org/drawingml/2006/chart" xmlns:dgm="https://schemas.openxmlformats.org/drawingml/2006/diagram" xmlns:o="urn:schemas-microsoft-com:office:office" xmlns:v="urn:schemas-microsoft-com:vml" xmlns:pvml="urn:schemas-microsoft-com:office:powerpoint" xmlns:com="https://schemas.openxmlformats.org/drawingml/2006/compatibility" xmlns:p14="https://schemas.microsoft.com/office/powerpoint/2010/main">
   <p:cSld>
     <p:spTree>
       <p:nvGrpSpPr>
@@ -13487,7 +13487,7 @@
 </file>
 
 <file path=ppt/slides/slide6.xml><?xml version="1.0" encoding="utf-8"?>
-<p:sld xmlns:a="http://schemas.openxmlformats.org/drawingml/2006/main" xmlns:r="http://schemas.openxmlformats.org/officeDocument/2006/relationships" xmlns:mc="http://schemas.openxmlformats.org/markup-compatibility/2006" xmlns:mv="urn:schemas-microsoft-com:mac:vml" xmlns:p="http://schemas.openxmlformats.org/presentationml/2006/main" xmlns:c="http://schemas.openxmlformats.org/drawingml/2006/chart" xmlns:dgm="http://schemas.openxmlformats.org/drawingml/2006/diagram" xmlns:o="urn:schemas-microsoft-com:office:office" xmlns:v="urn:schemas-microsoft-com:vml" xmlns:pvml="urn:schemas-microsoft-com:office:powerpoint" xmlns:com="http://schemas.openxmlformats.org/drawingml/2006/compatibility" xmlns:p14="http://schemas.microsoft.com/office/powerpoint/2010/main">
+<p:sld xmlns:a="https://schemas.openxmlformats.org/drawingml/2006/main" xmlns:r="https://schemas.openxmlformats.org/officeDocument/2006/relationships" xmlns:mc="https://schemas.openxmlformats.org/markup-compatibility/2006" xmlns:mv="urn:schemas-microsoft-com:mac:vml" xmlns:p="https://schemas.openxmlformats.org/presentationml/2006/main" xmlns:c="https://schemas.openxmlformats.org/drawingml/2006/chart" xmlns:dgm="https://schemas.openxmlformats.org/drawingml/2006/diagram" xmlns:o="urn:schemas-microsoft-com:office:office" xmlns:v="urn:schemas-microsoft-com:vml" xmlns:pvml="urn:schemas-microsoft-com:office:powerpoint" xmlns:com="https://schemas.openxmlformats.org/drawingml/2006/compatibility" xmlns:p14="https://schemas.microsoft.com/office/powerpoint/2010/main">
   <p:cSld>
     <p:spTree>
       <p:nvGrpSpPr>
@@ -13699,7 +13699,7 @@
 </file>
 
 <file path=ppt/slides/slide7.xml><?xml version="1.0" encoding="utf-8"?>
-<p:sld xmlns:a="http://schemas.openxmlformats.org/drawingml/2006/main" xmlns:r="http://schemas.openxmlformats.org/officeDocument/2006/relationships" xmlns:mc="http://schemas.openxmlformats.org/markup-compatibility/2006" xmlns:mv="urn:schemas-microsoft-com:mac:vml" xmlns:p="http://schemas.openxmlformats.org/presentationml/2006/main" xmlns:c="http://schemas.openxmlformats.org/drawingml/2006/chart" xmlns:dgm="http://schemas.openxmlformats.org/drawingml/2006/diagram" xmlns:o="urn:schemas-microsoft-com:office:office" xmlns:v="urn:schemas-microsoft-com:vml" xmlns:pvml="urn:schemas-microsoft-com:office:powerpoint" xmlns:com="http://schemas.openxmlformats.org/drawingml/2006/compatibility" xmlns:p14="http://schemas.microsoft.com/office/powerpoint/2010/main">
+<p:sld xmlns:a="https://schemas.openxmlformats.org/drawingml/2006/main" xmlns:r="https://schemas.openxmlformats.org/officeDocument/2006/relationships" xmlns:mc="https://schemas.openxmlformats.org/markup-compatibility/2006" xmlns:mv="urn:schemas-microsoft-com:mac:vml" xmlns:p="https://schemas.openxmlformats.org/presentationml/2006/main" xmlns:c="https://schemas.openxmlformats.org/drawingml/2006/chart" xmlns:dgm="https://schemas.openxmlformats.org/drawingml/2006/diagram" xmlns:o="urn:schemas-microsoft-com:office:office" xmlns:v="urn:schemas-microsoft-com:vml" xmlns:pvml="urn:schemas-microsoft-com:office:powerpoint" xmlns:com="https://schemas.openxmlformats.org/drawingml/2006/compatibility" xmlns:p14="https://schemas.microsoft.com/office/powerpoint/2010/main">
   <p:cSld>
     <p:spTree>
       <p:nvGrpSpPr>
@@ -13795,7 +13795,7 @@
 </file>
 
 <file path=ppt/slides/slide8.xml><?xml version="1.0" encoding="utf-8"?>
-<p:sld xmlns:a="http://schemas.openxmlformats.org/drawingml/2006/main" xmlns:r="http://schemas.openxmlformats.org/officeDocument/2006/relationships" xmlns:mc="http://schemas.openxmlformats.org/markup-compatibility/2006" xmlns:mv="urn:schemas-microsoft-com:mac:vml" xmlns:p="http://schemas.openxmlformats.org/presentationml/2006/main" xmlns:c="http://schemas.openxmlformats.org/drawingml/2006/chart" xmlns:dgm="http://schemas.openxmlformats.org/drawingml/2006/diagram" xmlns:o="urn:schemas-microsoft-com:office:office" xmlns:v="urn:schemas-microsoft-com:vml" xmlns:pvml="urn:schemas-microsoft-com:office:powerpoint" xmlns:com="http://schemas.openxmlformats.org/drawingml/2006/compatibility" xmlns:p14="http://schemas.microsoft.com/office/powerpoint/2010/main">
+<p:sld xmlns:a="https://schemas.openxmlformats.org/drawingml/2006/main" xmlns:r="https://schemas.openxmlformats.org/officeDocument/2006/relationships" xmlns:mc="https://schemas.openxmlformats.org/markup-compatibility/2006" xmlns:mv="urn:schemas-microsoft-com:mac:vml" xmlns:p="https://schemas.openxmlformats.org/presentationml/2006/main" xmlns:c="https://schemas.openxmlformats.org/drawingml/2006/chart" xmlns:dgm="https://schemas.openxmlformats.org/drawingml/2006/diagram" xmlns:o="urn:schemas-microsoft-com:office:office" xmlns:v="urn:schemas-microsoft-com:vml" xmlns:pvml="urn:schemas-microsoft-com:office:powerpoint" xmlns:com="https://schemas.openxmlformats.org/drawingml/2006/compatibility" xmlns:p14="https://schemas.microsoft.com/office/powerpoint/2010/main">
   <p:cSld>
     <p:spTree>
       <p:nvGrpSpPr>
@@ -14008,7 +14008,7 @@
 </file>
 
 <file path=ppt/slides/slide9.xml><?xml version="1.0" encoding="utf-8"?>
-<p:sld xmlns:a="http://schemas.openxmlformats.org/drawingml/2006/main" xmlns:r="http://schemas.openxmlformats.org/officeDocument/2006/relationships" xmlns:mc="http://schemas.openxmlformats.org/markup-compatibility/2006" xmlns:mv="urn:schemas-microsoft-com:mac:vml" xmlns:p="http://schemas.openxmlformats.org/presentationml/2006/main" xmlns:c="http://schemas.openxmlformats.org/drawingml/2006/chart" xmlns:dgm="http://schemas.openxmlformats.org/drawingml/2006/diagram" xmlns:o="urn:schemas-microsoft-com:office:office" xmlns:v="urn:schemas-microsoft-com:vml" xmlns:pvml="urn:schemas-microsoft-com:office:powerpoint" xmlns:com="http://schemas.openxmlformats.org/drawingml/2006/compatibility" xmlns:p14="http://schemas.microsoft.com/office/powerpoint/2010/main">
+<p:sld xmlns:a="https://schemas.openxmlformats.org/drawingml/2006/main" xmlns:r="https://schemas.openxmlformats.org/officeDocument/2006/relationships" xmlns:mc="https://schemas.openxmlformats.org/markup-compatibility/2006" xmlns:mv="urn:schemas-microsoft-com:mac:vml" xmlns:p="https://schemas.openxmlformats.org/presentationml/2006/main" xmlns:c="https://schemas.openxmlformats.org/drawingml/2006/chart" xmlns:dgm="https://schemas.openxmlformats.org/drawingml/2006/diagram" xmlns:o="urn:schemas-microsoft-com:office:office" xmlns:v="urn:schemas-microsoft-com:vml" xmlns:pvml="urn:schemas-microsoft-com:office:powerpoint" xmlns:com="https://schemas.openxmlformats.org/drawingml/2006/compatibility" xmlns:p14="https://schemas.microsoft.com/office/powerpoint/2010/main">
   <p:cSld>
     <p:spTree>
       <p:nvGrpSpPr>
@@ -14113,7 +14113,7 @@
 </file>
 
 <file path=ppt/theme/theme1.xml><?xml version="1.0" encoding="utf-8"?>
-<a:theme xmlns:a="http://schemas.openxmlformats.org/drawingml/2006/main" xmlns:r="http://schemas.openxmlformats.org/officeDocument/2006/relationships" name="Custom Theme">
+<a:theme xmlns:a="https://schemas.openxmlformats.org/drawingml/2006/main" xmlns:r="https://schemas.openxmlformats.org/officeDocument/2006/relationships" name="Custom Theme">
   <a:themeElements>
     <a:clrScheme name="Default">
       <a:dk1>
@@ -14392,7 +14392,7 @@
 </file>
 
 <file path=ppt/theme/theme2.xml><?xml version="1.0" encoding="utf-8"?>
-<a:theme xmlns:a="http://schemas.openxmlformats.org/drawingml/2006/main" xmlns:r="http://schemas.openxmlformats.org/officeDocument/2006/relationships" name="Office Theme">
+<a:theme xmlns:a="https://schemas.openxmlformats.org/drawingml/2006/main" xmlns:r="https://schemas.openxmlformats.org/officeDocument/2006/relationships" name="Office Theme">
   <a:themeElements>
     <a:clrScheme name="GSA">
       <a:dk1>
